--- a/VS LIVE 2017 Chicago.pptx
+++ b/VS LIVE 2017 Chicago.pptx
@@ -7,6 +7,7 @@
   <p:sldIdLst>
     <p:sldId id="256" r:id="rId2"/>
     <p:sldId id="257" r:id="rId3"/>
+    <p:sldId id="258" r:id="rId4"/>
   </p:sldIdLst>
   <p:sldSz cx="12192000" cy="6858000"/>
   <p:notesSz cx="6858000" cy="9144000"/>
@@ -105,6 +106,11 @@
       </a:defRPr>
     </a:lvl9pPr>
   </p:defaultTextStyle>
+  <p:extLst>
+    <p:ext uri="{EFAFB233-063F-42B5-8137-9DF3F51BA10A}">
+      <p15:sldGuideLst xmlns:p15="http://schemas.microsoft.com/office/powerpoint/2012/main"/>
+    </p:ext>
+  </p:extLst>
 </p:presentation>
 </file>
 
@@ -5614,6 +5620,87 @@
 </p:sld>
 </file>
 
+<file path=ppt/slides/slide3.xml><?xml version="1.0" encoding="utf-8"?>
+<p:sld xmlns:a="http://schemas.openxmlformats.org/drawingml/2006/main" xmlns:r="http://schemas.openxmlformats.org/officeDocument/2006/relationships" xmlns:p="http://schemas.openxmlformats.org/presentationml/2006/main">
+  <p:cSld>
+    <p:spTree>
+      <p:nvGrpSpPr>
+        <p:cNvPr id="1" name=""/>
+        <p:cNvGrpSpPr/>
+        <p:nvPr/>
+      </p:nvGrpSpPr>
+      <p:grpSpPr>
+        <a:xfrm>
+          <a:off x="0" y="0"/>
+          <a:ext cx="0" cy="0"/>
+          <a:chOff x="0" y="0"/>
+          <a:chExt cx="0" cy="0"/>
+        </a:xfrm>
+      </p:grpSpPr>
+      <p:sp>
+        <p:nvSpPr>
+          <p:cNvPr id="2" name="TextBox 1"/>
+          <p:cNvSpPr txBox="1"/>
+          <p:nvPr/>
+        </p:nvSpPr>
+        <p:spPr>
+          <a:xfrm>
+            <a:off x="807397" y="1235414"/>
+            <a:ext cx="7101192" cy="923330"/>
+          </a:xfrm>
+          <a:prstGeom prst="rect">
+            <a:avLst/>
+          </a:prstGeom>
+          <a:noFill/>
+        </p:spPr>
+        <p:txBody>
+          <a:bodyPr wrap="square" rtlCol="0">
+            <a:spAutoFit/>
+          </a:bodyPr>
+          <a:lstStyle/>
+          <a:p>
+            <a:pPr marL="285750" indent="-285750">
+              <a:buFont typeface="Arial" panose="020B0604020202020204" pitchFamily="34" charset="0"/>
+              <a:buChar char="•"/>
+            </a:pPr>
+            <a:r>
+              <a:rPr lang="en-US" dirty="0"/>
+              <a:t>All demos and slides can be found at </a:t>
+            </a:r>
+            <a:r>
+              <a:rPr lang="en-US" dirty="0">
+                <a:hlinkClick r:id="rId2"/>
+              </a:rPr>
+              <a:t>https://github.com/Bercet23/VSLive2017</a:t>
+            </a:r>
+            <a:endParaRPr lang="en-US" dirty="0"/>
+          </a:p>
+          <a:p>
+            <a:pPr marL="285750" indent="-285750">
+              <a:buFont typeface="Arial" panose="020B0604020202020204" pitchFamily="34" charset="0"/>
+              <a:buChar char="•"/>
+            </a:pPr>
+            <a:r>
+              <a:rPr lang="en-US"/>
+              <a:t>Change</a:t>
+            </a:r>
+            <a:endParaRPr lang="en-US" dirty="0"/>
+          </a:p>
+        </p:txBody>
+      </p:sp>
+    </p:spTree>
+    <p:extLst>
+      <p:ext uri="{BB962C8B-B14F-4D97-AF65-F5344CB8AC3E}">
+        <p14:creationId xmlns:p14="http://schemas.microsoft.com/office/powerpoint/2010/main" val="3016456913"/>
+      </p:ext>
+    </p:extLst>
+  </p:cSld>
+  <p:clrMapOvr>
+    <a:masterClrMapping/>
+  </p:clrMapOvr>
+</p:sld>
+</file>
+
 <file path=ppt/theme/theme1.xml><?xml version="1.0" encoding="utf-8"?>
 <a:theme xmlns:a="http://schemas.openxmlformats.org/drawingml/2006/main" name="Slice">
   <a:themeElements>

--- a/VS LIVE 2017 Chicago.pptx
+++ b/VS LIVE 2017 Chicago.pptx
@@ -7,7 +7,9 @@
   <p:sldIdLst>
     <p:sldId id="256" r:id="rId2"/>
     <p:sldId id="257" r:id="rId3"/>
-    <p:sldId id="258" r:id="rId4"/>
+    <p:sldId id="259" r:id="rId4"/>
+    <p:sldId id="260" r:id="rId5"/>
+    <p:sldId id="258" r:id="rId6"/>
   </p:sldIdLst>
   <p:sldSz cx="12192000" cy="6858000"/>
   <p:notesSz cx="6858000" cy="9144000"/>
@@ -5639,6 +5641,432 @@
       </p:grpSpPr>
       <p:sp>
         <p:nvSpPr>
+          <p:cNvPr id="2" name="Title 1"/>
+          <p:cNvSpPr>
+            <a:spLocks noGrp="1"/>
+          </p:cNvSpPr>
+          <p:nvPr>
+            <p:ph type="ctrTitle"/>
+          </p:nvPr>
+        </p:nvSpPr>
+        <p:spPr>
+          <a:xfrm>
+            <a:off x="684212" y="685799"/>
+            <a:ext cx="8001000" cy="851171"/>
+          </a:xfrm>
+        </p:spPr>
+        <p:txBody>
+          <a:bodyPr/>
+          <a:lstStyle/>
+          <a:p>
+            <a:r>
+              <a:rPr lang="en-US" dirty="0" err="1"/>
+              <a:t>Whats</a:t>
+            </a:r>
+            <a:r>
+              <a:rPr lang="en-US" dirty="0"/>
+              <a:t> new in C#7</a:t>
+            </a:r>
+          </a:p>
+        </p:txBody>
+      </p:sp>
+      <p:sp>
+        <p:nvSpPr>
+          <p:cNvPr id="3" name="Subtitle 2"/>
+          <p:cNvSpPr>
+            <a:spLocks noGrp="1"/>
+          </p:cNvSpPr>
+          <p:nvPr>
+            <p:ph type="subTitle" idx="1"/>
+          </p:nvPr>
+        </p:nvSpPr>
+        <p:spPr>
+          <a:xfrm>
+            <a:off x="684212" y="1536971"/>
+            <a:ext cx="6400800" cy="4254230"/>
+          </a:xfrm>
+        </p:spPr>
+        <p:txBody>
+          <a:bodyPr>
+            <a:normAutofit fontScale="92500" lnSpcReduction="10000"/>
+          </a:bodyPr>
+          <a:lstStyle/>
+          <a:p>
+            <a:pPr marL="342900" indent="-342900">
+              <a:buFont typeface="Wingdings" panose="05000000000000000000" pitchFamily="2" charset="2"/>
+              <a:buChar char="q"/>
+            </a:pPr>
+            <a:r>
+              <a:rPr lang="en-US" dirty="0"/>
+              <a:t>Local functions</a:t>
+            </a:r>
+          </a:p>
+          <a:p>
+            <a:pPr marL="342900" indent="-342900">
+              <a:buFont typeface="Wingdings" panose="05000000000000000000" pitchFamily="2" charset="2"/>
+              <a:buChar char="q"/>
+            </a:pPr>
+            <a:r>
+              <a:rPr lang="en-US" dirty="0"/>
+              <a:t>Benchmark </a:t>
+            </a:r>
+            <a:r>
+              <a:rPr lang="en-US" dirty="0" err="1"/>
+              <a:t>Nuget</a:t>
+            </a:r>
+            <a:r>
+              <a:rPr lang="en-US" dirty="0"/>
+              <a:t> Project</a:t>
+            </a:r>
+          </a:p>
+          <a:p>
+            <a:pPr marL="342900" indent="-342900">
+              <a:buFont typeface="Wingdings" panose="05000000000000000000" pitchFamily="2" charset="2"/>
+              <a:buChar char="q"/>
+            </a:pPr>
+            <a:r>
+              <a:rPr lang="en-US" dirty="0"/>
+              <a:t>Pattern Matching</a:t>
+            </a:r>
+          </a:p>
+          <a:p>
+            <a:pPr marL="342900" indent="-342900">
+              <a:buFont typeface="Wingdings" panose="05000000000000000000" pitchFamily="2" charset="2"/>
+              <a:buChar char="q"/>
+            </a:pPr>
+            <a:r>
+              <a:rPr lang="en-US" dirty="0"/>
+              <a:t>Tuples</a:t>
+            </a:r>
+          </a:p>
+          <a:p>
+            <a:pPr marL="342900" indent="-342900">
+              <a:buFont typeface="Wingdings" panose="05000000000000000000" pitchFamily="2" charset="2"/>
+              <a:buChar char="q"/>
+            </a:pPr>
+            <a:r>
+              <a:rPr lang="en-US" dirty="0"/>
+              <a:t>C# 7.1</a:t>
+            </a:r>
+          </a:p>
+          <a:p>
+            <a:pPr marL="800100" lvl="1" indent="-342900">
+              <a:buFont typeface="Wingdings" panose="05000000000000000000" pitchFamily="2" charset="2"/>
+              <a:buChar char="q"/>
+            </a:pPr>
+            <a:r>
+              <a:rPr lang="en-US" dirty="0" err="1"/>
+              <a:t>Asyc</a:t>
+            </a:r>
+            <a:r>
+              <a:rPr lang="en-US" dirty="0"/>
+              <a:t> Main method now allowed</a:t>
+            </a:r>
+          </a:p>
+          <a:p>
+            <a:pPr marL="342900" indent="-342900">
+              <a:buFont typeface="Wingdings" panose="05000000000000000000" pitchFamily="2" charset="2"/>
+              <a:buChar char="q"/>
+            </a:pPr>
+            <a:r>
+              <a:rPr lang="en-US" dirty="0"/>
+              <a:t>Future(7.2, 7.3?,8.0)</a:t>
+            </a:r>
+          </a:p>
+          <a:p>
+            <a:pPr marL="342900" indent="-342900">
+              <a:buFont typeface="Wingdings" panose="05000000000000000000" pitchFamily="2" charset="2"/>
+              <a:buChar char="q"/>
+            </a:pPr>
+            <a:r>
+              <a:rPr lang="en-US" dirty="0"/>
+              <a:t>Shapes</a:t>
+            </a:r>
+          </a:p>
+          <a:p>
+            <a:pPr marL="342900" indent="-342900">
+              <a:buFont typeface="Wingdings" panose="05000000000000000000" pitchFamily="2" charset="2"/>
+              <a:buChar char="q"/>
+            </a:pPr>
+            <a:endParaRPr lang="en-US" dirty="0"/>
+          </a:p>
+          <a:p>
+            <a:pPr marL="342900" indent="-342900">
+              <a:buFont typeface="Wingdings" panose="05000000000000000000" pitchFamily="2" charset="2"/>
+              <a:buChar char="q"/>
+            </a:pPr>
+            <a:r>
+              <a:rPr lang="en-US" dirty="0">
+                <a:hlinkClick r:id="rId2"/>
+              </a:rPr>
+              <a:t>https://github.com/Bercet23/VSLive2017/blob/master/VSLiveSlides/T06_WhatsNewinC7_Bock.pdf</a:t>
+            </a:r>
+            <a:r>
+              <a:rPr lang="en-US" dirty="0"/>
+              <a:t>	</a:t>
+            </a:r>
+          </a:p>
+        </p:txBody>
+      </p:sp>
+    </p:spTree>
+    <p:extLst>
+      <p:ext uri="{BB962C8B-B14F-4D97-AF65-F5344CB8AC3E}">
+        <p14:creationId xmlns:p14="http://schemas.microsoft.com/office/powerpoint/2010/main" val="122259459"/>
+      </p:ext>
+    </p:extLst>
+  </p:cSld>
+  <p:clrMapOvr>
+    <a:masterClrMapping/>
+  </p:clrMapOvr>
+</p:sld>
+</file>
+
+<file path=ppt/slides/slide4.xml><?xml version="1.0" encoding="utf-8"?>
+<p:sld xmlns:a="http://schemas.openxmlformats.org/drawingml/2006/main" xmlns:r="http://schemas.openxmlformats.org/officeDocument/2006/relationships" xmlns:p="http://schemas.openxmlformats.org/presentationml/2006/main">
+  <p:cSld>
+    <p:spTree>
+      <p:nvGrpSpPr>
+        <p:cNvPr id="1" name=""/>
+        <p:cNvGrpSpPr/>
+        <p:nvPr/>
+      </p:nvGrpSpPr>
+      <p:grpSpPr>
+        <a:xfrm>
+          <a:off x="0" y="0"/>
+          <a:ext cx="0" cy="0"/>
+          <a:chOff x="0" y="0"/>
+          <a:chExt cx="0" cy="0"/>
+        </a:xfrm>
+      </p:grpSpPr>
+      <p:sp>
+        <p:nvSpPr>
+          <p:cNvPr id="3" name="TextBox 2"/>
+          <p:cNvSpPr txBox="1"/>
+          <p:nvPr/>
+        </p:nvSpPr>
+        <p:spPr>
+          <a:xfrm>
+            <a:off x="817123" y="603115"/>
+            <a:ext cx="7373566" cy="830997"/>
+          </a:xfrm>
+          <a:prstGeom prst="rect">
+            <a:avLst/>
+          </a:prstGeom>
+          <a:noFill/>
+        </p:spPr>
+        <p:txBody>
+          <a:bodyPr wrap="square" rtlCol="0">
+            <a:spAutoFit/>
+          </a:bodyPr>
+          <a:lstStyle/>
+          <a:p>
+            <a:r>
+              <a:rPr lang="en-US" sz="4800" dirty="0"/>
+              <a:t>Microsoft Graph</a:t>
+            </a:r>
+          </a:p>
+        </p:txBody>
+      </p:sp>
+      <p:sp>
+        <p:nvSpPr>
+          <p:cNvPr id="4" name="TextBox 3"/>
+          <p:cNvSpPr txBox="1"/>
+          <p:nvPr/>
+        </p:nvSpPr>
+        <p:spPr>
+          <a:xfrm>
+            <a:off x="972766" y="1741251"/>
+            <a:ext cx="7091464" cy="2769989"/>
+          </a:xfrm>
+          <a:prstGeom prst="rect">
+            <a:avLst/>
+          </a:prstGeom>
+          <a:noFill/>
+        </p:spPr>
+        <p:txBody>
+          <a:bodyPr wrap="square" rtlCol="0">
+            <a:spAutoFit/>
+          </a:bodyPr>
+          <a:lstStyle/>
+          <a:p>
+            <a:pPr marL="285750" indent="-285750">
+              <a:buFont typeface="Arial" panose="020B0604020202020204" pitchFamily="34" charset="0"/>
+              <a:buChar char="•"/>
+            </a:pPr>
+            <a:r>
+              <a:rPr lang="en-US" dirty="0"/>
+              <a:t>What is Microsoft Graph</a:t>
+            </a:r>
+          </a:p>
+          <a:p>
+            <a:pPr marL="742950" lvl="1" indent="-285750">
+              <a:buFont typeface="Arial" panose="020B0604020202020204" pitchFamily="34" charset="0"/>
+              <a:buChar char="•"/>
+            </a:pPr>
+            <a:r>
+              <a:rPr lang="en-US" sz="1200" b="1" dirty="0"/>
+              <a:t>Microsoft Graph</a:t>
+            </a:r>
+            <a:r>
+              <a:rPr lang="en-US" sz="1200" dirty="0"/>
+              <a:t> is a </a:t>
+            </a:r>
+            <a:r>
+              <a:rPr lang="en-US" sz="1200" dirty="0">
+                <a:hlinkClick r:id="rId2" tooltip="Microsoft"/>
+              </a:rPr>
+              <a:t>Microsoft</a:t>
+            </a:r>
+            <a:r>
+              <a:rPr lang="en-US" sz="1200" dirty="0"/>
+              <a:t> developer platform that connects multiple services and devices. Initially released 2015, the Microsoft Graph builds on Office 365 </a:t>
+            </a:r>
+            <a:r>
+              <a:rPr lang="en-US" sz="1200" dirty="0">
+                <a:hlinkClick r:id="rId3" tooltip="Application programming interface"/>
+              </a:rPr>
+              <a:t>APIs</a:t>
+            </a:r>
+            <a:r>
+              <a:rPr lang="en-US" sz="1200" dirty="0"/>
+              <a:t> and allows developers to integrate their services with Microsoft products, including </a:t>
+            </a:r>
+            <a:r>
+              <a:rPr lang="en-US" sz="1200" dirty="0">
+                <a:hlinkClick r:id="rId4" tooltip="Microsoft Windows"/>
+              </a:rPr>
+              <a:t>Windows</a:t>
+            </a:r>
+            <a:r>
+              <a:rPr lang="en-US" sz="1200" dirty="0"/>
+              <a:t>, </a:t>
+            </a:r>
+            <a:r>
+              <a:rPr lang="en-US" sz="1200" dirty="0">
+                <a:hlinkClick r:id="rId5" tooltip="Office 365"/>
+              </a:rPr>
+              <a:t>Office 365</a:t>
+            </a:r>
+            <a:r>
+              <a:rPr lang="en-US" sz="1200" dirty="0"/>
+              <a:t>, and </a:t>
+            </a:r>
+            <a:r>
+              <a:rPr lang="en-US" sz="1200" dirty="0">
+                <a:hlinkClick r:id="rId6" tooltip="Microsoft Azure"/>
+              </a:rPr>
+              <a:t>Azure</a:t>
+            </a:r>
+            <a:r>
+              <a:rPr lang="en-US" sz="1200" dirty="0"/>
+              <a:t>.</a:t>
+            </a:r>
+            <a:r>
+              <a:rPr lang="en-US" sz="1200" baseline="30000" dirty="0">
+                <a:hlinkClick r:id="rId7"/>
+              </a:rPr>
+              <a:t>[1]</a:t>
+            </a:r>
+            <a:r>
+              <a:rPr lang="en-US" sz="1200" dirty="0"/>
+              <a:t> At its </a:t>
+            </a:r>
+            <a:r>
+              <a:rPr lang="en-US" sz="1200" dirty="0">
+                <a:hlinkClick r:id="rId8" tooltip="Build 2017"/>
+              </a:rPr>
+              <a:t>Build 2017</a:t>
+            </a:r>
+            <a:r>
+              <a:rPr lang="en-US" sz="1200" dirty="0"/>
+              <a:t> conference, Microsoft announced it would use the Microsoft Graph to bring new functionality and connectivity between Windows and other OS platforms, including </a:t>
+            </a:r>
+            <a:r>
+              <a:rPr lang="en-US" sz="1200" dirty="0">
+                <a:hlinkClick r:id="rId9" tooltip="Android (operating system)"/>
+              </a:rPr>
+              <a:t>Android</a:t>
+            </a:r>
+            <a:r>
+              <a:rPr lang="en-US" sz="1200" dirty="0"/>
+              <a:t> and </a:t>
+            </a:r>
+            <a:r>
+              <a:rPr lang="en-US" sz="1200" dirty="0">
+                <a:hlinkClick r:id="rId10" tooltip="IOS"/>
+              </a:rPr>
+              <a:t>iOS</a:t>
+            </a:r>
+            <a:r>
+              <a:rPr lang="en-US" sz="1200" dirty="0"/>
+              <a:t>.</a:t>
+            </a:r>
+            <a:r>
+              <a:rPr lang="en-US" sz="1200" baseline="30000" dirty="0">
+                <a:hlinkClick r:id="rId11"/>
+              </a:rPr>
+              <a:t>[2]</a:t>
+            </a:r>
+            <a:r>
+              <a:rPr lang="en-US" sz="1200" dirty="0">
+                <a:hlinkClick r:id="rId12"/>
+              </a:rPr>
+              <a:t>https://developer.microsoft.com/en-us/graph/</a:t>
+            </a:r>
+            <a:endParaRPr lang="en-US" sz="1200" dirty="0"/>
+          </a:p>
+          <a:p>
+            <a:pPr marL="285750" indent="-285750">
+              <a:buFont typeface="Arial" panose="020B0604020202020204" pitchFamily="34" charset="0"/>
+              <a:buChar char="•"/>
+            </a:pPr>
+            <a:endParaRPr lang="en-US" dirty="0"/>
+          </a:p>
+          <a:p>
+            <a:pPr marL="285750" indent="-285750">
+              <a:buFont typeface="Arial" panose="020B0604020202020204" pitchFamily="34" charset="0"/>
+              <a:buChar char="•"/>
+            </a:pPr>
+            <a:r>
+              <a:rPr lang="en-US" dirty="0"/>
+              <a:t>https://github.com/Bercet23/VSLive2017/blob/master/VSLiveSlides/W12_UPDATED_BuildingAppswithMicrosoftGraphandVisualStudio_Green.pdf</a:t>
+            </a:r>
+            <a:endParaRPr lang="en-US" dirty="0"/>
+          </a:p>
+        </p:txBody>
+      </p:sp>
+    </p:spTree>
+    <p:extLst>
+      <p:ext uri="{BB962C8B-B14F-4D97-AF65-F5344CB8AC3E}">
+        <p14:creationId xmlns:p14="http://schemas.microsoft.com/office/powerpoint/2010/main" val="3017670793"/>
+      </p:ext>
+    </p:extLst>
+  </p:cSld>
+  <p:clrMapOvr>
+    <a:masterClrMapping/>
+  </p:clrMapOvr>
+</p:sld>
+</file>
+
+<file path=ppt/slides/slide5.xml><?xml version="1.0" encoding="utf-8"?>
+<p:sld xmlns:a="http://schemas.openxmlformats.org/drawingml/2006/main" xmlns:r="http://schemas.openxmlformats.org/officeDocument/2006/relationships" xmlns:p="http://schemas.openxmlformats.org/presentationml/2006/main">
+  <p:cSld>
+    <p:spTree>
+      <p:nvGrpSpPr>
+        <p:cNvPr id="1" name=""/>
+        <p:cNvGrpSpPr/>
+        <p:nvPr/>
+      </p:nvGrpSpPr>
+      <p:grpSpPr>
+        <a:xfrm>
+          <a:off x="0" y="0"/>
+          <a:ext cx="0" cy="0"/>
+          <a:chOff x="0" y="0"/>
+          <a:chExt cx="0" cy="0"/>
+        </a:xfrm>
+      </p:grpSpPr>
+      <p:sp>
+        <p:nvSpPr>
           <p:cNvPr id="2" name="TextBox 1"/>
           <p:cNvSpPr txBox="1"/>
           <p:nvPr/>

--- a/VS LIVE 2017 Chicago.pptx
+++ b/VS LIVE 2017 Chicago.pptx
@@ -320,7 +320,7 @@
             <a:fld id="{B61BEF0D-F0BB-DE4B-95CE-6DB70DBA9567}" type="datetimeFigureOut">
               <a:rPr lang="en-US" dirty="0"/>
               <a:pPr/>
-              <a:t>09/22/2017</a:t>
+              <a:t>09/25/2017</a:t>
             </a:fld>
             <a:endParaRPr lang="en-US" dirty="0"/>
           </a:p>
@@ -753,7 +753,7 @@
             <a:fld id="{B61BEF0D-F0BB-DE4B-95CE-6DB70DBA9567}" type="datetimeFigureOut">
               <a:rPr lang="en-US" dirty="0"/>
               <a:pPr/>
-              <a:t>09/22/2017</a:t>
+              <a:t>09/25/2017</a:t>
             </a:fld>
             <a:endParaRPr lang="en-US" dirty="0"/>
           </a:p>
@@ -1000,7 +1000,7 @@
             <a:fld id="{B61BEF0D-F0BB-DE4B-95CE-6DB70DBA9567}" type="datetimeFigureOut">
               <a:rPr lang="en-US" dirty="0"/>
               <a:pPr/>
-              <a:t>09/22/2017</a:t>
+              <a:t>09/25/2017</a:t>
             </a:fld>
             <a:endParaRPr lang="en-US" dirty="0"/>
           </a:p>
@@ -1305,7 +1305,7 @@
             <a:fld id="{B61BEF0D-F0BB-DE4B-95CE-6DB70DBA9567}" type="datetimeFigureOut">
               <a:rPr lang="en-US" dirty="0"/>
               <a:pPr/>
-              <a:t>09/22/2017</a:t>
+              <a:t>09/25/2017</a:t>
             </a:fld>
             <a:endParaRPr lang="en-US" dirty="0"/>
           </a:p>
@@ -1620,7 +1620,7 @@
             <a:fld id="{B61BEF0D-F0BB-DE4B-95CE-6DB70DBA9567}" type="datetimeFigureOut">
               <a:rPr lang="en-US" dirty="0"/>
               <a:pPr/>
-              <a:t>09/22/2017</a:t>
+              <a:t>09/25/2017</a:t>
             </a:fld>
             <a:endParaRPr lang="en-US" dirty="0"/>
           </a:p>
@@ -1919,7 +1919,7 @@
             <a:fld id="{B61BEF0D-F0BB-DE4B-95CE-6DB70DBA9567}" type="datetimeFigureOut">
               <a:rPr lang="en-US" dirty="0"/>
               <a:pPr/>
-              <a:t>09/22/2017</a:t>
+              <a:t>09/25/2017</a:t>
             </a:fld>
             <a:endParaRPr lang="en-US" dirty="0"/>
           </a:p>
@@ -2283,7 +2283,7 @@
             <a:fld id="{B61BEF0D-F0BB-DE4B-95CE-6DB70DBA9567}" type="datetimeFigureOut">
               <a:rPr lang="en-US" dirty="0"/>
               <a:pPr/>
-              <a:t>09/22/2017</a:t>
+              <a:t>09/25/2017</a:t>
             </a:fld>
             <a:endParaRPr lang="en-US" dirty="0"/>
           </a:p>
@@ -2454,7 +2454,7 @@
             <a:fld id="{B61BEF0D-F0BB-DE4B-95CE-6DB70DBA9567}" type="datetimeFigureOut">
               <a:rPr lang="en-US" dirty="0"/>
               <a:pPr/>
-              <a:t>09/22/2017</a:t>
+              <a:t>09/25/2017</a:t>
             </a:fld>
             <a:endParaRPr lang="en-US" dirty="0"/>
           </a:p>
@@ -2631,7 +2631,7 @@
             <a:fld id="{B61BEF0D-F0BB-DE4B-95CE-6DB70DBA9567}" type="datetimeFigureOut">
               <a:rPr lang="en-US" dirty="0"/>
               <a:pPr/>
-              <a:t>09/22/2017</a:t>
+              <a:t>09/25/2017</a:t>
             </a:fld>
             <a:endParaRPr lang="en-US" dirty="0"/>
           </a:p>
@@ -2798,7 +2798,7 @@
             <a:fld id="{B61BEF0D-F0BB-DE4B-95CE-6DB70DBA9567}" type="datetimeFigureOut">
               <a:rPr lang="en-US" dirty="0"/>
               <a:pPr/>
-              <a:t>09/22/2017</a:t>
+              <a:t>09/25/2017</a:t>
             </a:fld>
             <a:endParaRPr lang="en-US" dirty="0"/>
           </a:p>
@@ -3045,7 +3045,7 @@
             <a:fld id="{B61BEF0D-F0BB-DE4B-95CE-6DB70DBA9567}" type="datetimeFigureOut">
               <a:rPr lang="en-US" dirty="0"/>
               <a:pPr/>
-              <a:t>09/22/2017</a:t>
+              <a:t>09/25/2017</a:t>
             </a:fld>
             <a:endParaRPr lang="en-US" dirty="0"/>
           </a:p>
@@ -3278,7 +3278,7 @@
             <a:fld id="{B61BEF0D-F0BB-DE4B-95CE-6DB70DBA9567}" type="datetimeFigureOut">
               <a:rPr lang="en-US" dirty="0"/>
               <a:pPr/>
-              <a:t>09/22/2017</a:t>
+              <a:t>09/25/2017</a:t>
             </a:fld>
             <a:endParaRPr lang="en-US" dirty="0"/>
           </a:p>
@@ -3657,7 +3657,7 @@
             <a:fld id="{B61BEF0D-F0BB-DE4B-95CE-6DB70DBA9567}" type="datetimeFigureOut">
               <a:rPr lang="en-US" dirty="0"/>
               <a:pPr/>
-              <a:t>09/22/2017</a:t>
+              <a:t>09/25/2017</a:t>
             </a:fld>
             <a:endParaRPr lang="en-US" dirty="0"/>
           </a:p>
@@ -3772,7 +3772,7 @@
             <a:fld id="{B61BEF0D-F0BB-DE4B-95CE-6DB70DBA9567}" type="datetimeFigureOut">
               <a:rPr lang="en-US" dirty="0"/>
               <a:pPr/>
-              <a:t>09/22/2017</a:t>
+              <a:t>09/25/2017</a:t>
             </a:fld>
             <a:endParaRPr lang="en-US" dirty="0"/>
           </a:p>
@@ -3864,7 +3864,7 @@
             <a:fld id="{B61BEF0D-F0BB-DE4B-95CE-6DB70DBA9567}" type="datetimeFigureOut">
               <a:rPr lang="en-US" dirty="0"/>
               <a:pPr/>
-              <a:t>09/22/2017</a:t>
+              <a:t>09/25/2017</a:t>
             </a:fld>
             <a:endParaRPr lang="en-US" dirty="0"/>
           </a:p>
@@ -4116,7 +4116,7 @@
             <a:fld id="{B61BEF0D-F0BB-DE4B-95CE-6DB70DBA9567}" type="datetimeFigureOut">
               <a:rPr lang="en-US" dirty="0"/>
               <a:pPr/>
-              <a:t>09/22/2017</a:t>
+              <a:t>09/25/2017</a:t>
             </a:fld>
             <a:endParaRPr lang="en-US" dirty="0"/>
           </a:p>
@@ -4396,7 +4396,7 @@
             <a:fld id="{B61BEF0D-F0BB-DE4B-95CE-6DB70DBA9567}" type="datetimeFigureOut">
               <a:rPr lang="en-US" dirty="0"/>
               <a:pPr/>
-              <a:t>09/22/2017</a:t>
+              <a:t>09/25/2017</a:t>
             </a:fld>
             <a:endParaRPr lang="en-US" dirty="0"/>
           </a:p>
@@ -4799,7 +4799,7 @@
             <a:fld id="{B61BEF0D-F0BB-DE4B-95CE-6DB70DBA9567}" type="datetimeFigureOut">
               <a:rPr lang="en-US" dirty="0"/>
               <a:pPr/>
-              <a:t>09/22/2017</a:t>
+              <a:t>09/25/2017</a:t>
             </a:fld>
             <a:endParaRPr lang="en-US" dirty="0"/>
           </a:p>
@@ -5442,8 +5442,8 @@
         </p:nvSpPr>
         <p:spPr>
           <a:xfrm>
-            <a:off x="545064" y="491802"/>
-            <a:ext cx="8534400" cy="1507067"/>
+            <a:off x="545064" y="491803"/>
+            <a:ext cx="8534400" cy="1189514"/>
           </a:xfrm>
         </p:spPr>
         <p:txBody>
@@ -5465,8 +5465,8 @@
         </p:nvSpPr>
         <p:spPr>
           <a:xfrm>
-            <a:off x="766916" y="2153265"/>
-            <a:ext cx="8082116" cy="4247317"/>
+            <a:off x="771206" y="1917290"/>
+            <a:ext cx="8082116" cy="6494085"/>
           </a:xfrm>
           <a:prstGeom prst="rect">
             <a:avLst/>
@@ -5484,7 +5484,7 @@
               <a:buChar char="•"/>
             </a:pPr>
             <a:r>
-              <a:rPr lang="en-US" dirty="0"/>
+              <a:rPr lang="en-US" sz="1600" dirty="0"/>
               <a:t>Improve Project Load Time</a:t>
             </a:r>
           </a:p>
@@ -5494,8 +5494,22 @@
               <a:buChar char="•"/>
             </a:pPr>
             <a:r>
-              <a:rPr lang="en-US" dirty="0"/>
+              <a:rPr lang="en-US" sz="1600" dirty="0"/>
               <a:t>Filter options</a:t>
+            </a:r>
+          </a:p>
+          <a:p>
+            <a:pPr marL="742950" lvl="1" indent="-285750">
+              <a:buFont typeface="Arial" panose="020B0604020202020204" pitchFamily="34" charset="0"/>
+              <a:buChar char="•"/>
+            </a:pPr>
+            <a:r>
+              <a:rPr lang="en-US" sz="1600" b="1" dirty="0"/>
+              <a:t>Demo1</a:t>
+            </a:r>
+            <a:r>
+              <a:rPr lang="en-US" sz="1600" dirty="0"/>
+              <a:t>(Look at project w/ multiple types)</a:t>
             </a:r>
           </a:p>
           <a:p>
@@ -5504,8 +5518,43 @@
               <a:buChar char="•"/>
             </a:pPr>
             <a:r>
-              <a:rPr lang="en-US" dirty="0"/>
-              <a:t>Quick Idea(Smudge)</a:t>
+              <a:rPr lang="en-US" sz="1600" dirty="0"/>
+              <a:t>Code Styles</a:t>
+            </a:r>
+          </a:p>
+          <a:p>
+            <a:pPr marL="742950" lvl="1" indent="-285750">
+              <a:buFont typeface="Arial" panose="020B0604020202020204" pitchFamily="34" charset="0"/>
+              <a:buChar char="•"/>
+            </a:pPr>
+            <a:r>
+              <a:rPr lang="en-US" sz="1600" b="1" dirty="0"/>
+              <a:t>Demo2</a:t>
+            </a:r>
+            <a:r>
+              <a:rPr lang="en-US" sz="1600" dirty="0"/>
+              <a:t>(Smudge) – </a:t>
+            </a:r>
+            <a:r>
+              <a:rPr lang="en-US" sz="1600" dirty="0" err="1"/>
+              <a:t>Tools</a:t>
+            </a:r>
+            <a:r>
+              <a:rPr lang="en-US" sz="1600" dirty="0" err="1">
+                <a:sym typeface="Wingdings" panose="05000000000000000000" pitchFamily="2" charset="2"/>
+              </a:rPr>
+              <a:t>OptionsCodeStyles</a:t>
+            </a:r>
+            <a:endParaRPr lang="en-US" sz="1600" dirty="0"/>
+          </a:p>
+          <a:p>
+            <a:pPr marL="742950" lvl="1" indent="-285750">
+              <a:buFont typeface="Arial" panose="020B0604020202020204" pitchFamily="34" charset="0"/>
+              <a:buChar char="•"/>
+            </a:pPr>
+            <a:r>
+              <a:rPr lang="en-US" sz="1600" dirty="0"/>
+              <a:t>You decide level of importance</a:t>
             </a:r>
           </a:p>
           <a:p>
@@ -5514,8 +5563,8 @@
               <a:buChar char="•"/>
             </a:pPr>
             <a:r>
-              <a:rPr lang="en-US" dirty="0"/>
-              <a:t>Code Styles</a:t>
+              <a:rPr lang="en-US" sz="1600" dirty="0"/>
+              <a:t>Quick Idea Code </a:t>
             </a:r>
           </a:p>
           <a:p>
@@ -5524,8 +5573,12 @@
               <a:buChar char="•"/>
             </a:pPr>
             <a:r>
-              <a:rPr lang="en-US" dirty="0"/>
-              <a:t>You decide level of importance</a:t>
+              <a:rPr lang="en-US" sz="1600" b="1" dirty="0"/>
+              <a:t>Demo3</a:t>
+            </a:r>
+            <a:r>
+              <a:rPr lang="en-US" sz="1600" dirty="0"/>
+              <a:t>(Code Suggestions)</a:t>
             </a:r>
           </a:p>
           <a:p>
@@ -5534,7 +5587,7 @@
               <a:buChar char="•"/>
             </a:pPr>
             <a:r>
-              <a:rPr lang="en-US" dirty="0"/>
+              <a:rPr lang="en-US" sz="1600" dirty="0"/>
               <a:t>Editor Config file options</a:t>
             </a:r>
           </a:p>
@@ -5544,8 +5597,22 @@
               <a:buChar char="•"/>
             </a:pPr>
             <a:r>
-              <a:rPr lang="en-US" dirty="0"/>
+              <a:rPr lang="en-US" sz="1600" dirty="0"/>
               <a:t>Live Unit Testing</a:t>
+            </a:r>
+          </a:p>
+          <a:p>
+            <a:pPr marL="742950" lvl="1" indent="-285750">
+              <a:buFont typeface="Arial" panose="020B0604020202020204" pitchFamily="34" charset="0"/>
+              <a:buChar char="•"/>
+            </a:pPr>
+            <a:r>
+              <a:rPr lang="en-US" sz="1600" b="1" dirty="0"/>
+              <a:t>Demo4</a:t>
+            </a:r>
+            <a:r>
+              <a:rPr lang="en-US" sz="1600" dirty="0"/>
+              <a:t>(Live Testing)</a:t>
             </a:r>
           </a:p>
           <a:p>
@@ -5554,9 +5621,91 @@
               <a:buChar char="•"/>
             </a:pPr>
             <a:r>
-              <a:rPr lang="en-US" b="1" dirty="0"/>
-              <a:t>Demo</a:t>
-            </a:r>
+              <a:rPr lang="en-US" sz="1600" dirty="0" err="1"/>
+              <a:t>Tools</a:t>
+            </a:r>
+            <a:r>
+              <a:rPr lang="en-US" sz="1600" dirty="0" err="1">
+                <a:sym typeface="Wingdings" panose="05000000000000000000" pitchFamily="2" charset="2"/>
+              </a:rPr>
+              <a:t>OptionsProjects</a:t>
+            </a:r>
+            <a:endParaRPr lang="en-US" sz="1600" dirty="0">
+              <a:sym typeface="Wingdings" panose="05000000000000000000" pitchFamily="2" charset="2"/>
+            </a:endParaRPr>
+          </a:p>
+          <a:p>
+            <a:pPr marL="742950" lvl="1" indent="-285750">
+              <a:buFont typeface="Arial" panose="020B0604020202020204" pitchFamily="34" charset="0"/>
+              <a:buChar char="•"/>
+            </a:pPr>
+            <a:r>
+              <a:rPr lang="en-US" sz="1600" b="1" dirty="0">
+                <a:sym typeface="Wingdings" panose="05000000000000000000" pitchFamily="2" charset="2"/>
+              </a:rPr>
+              <a:t>Demo5</a:t>
+            </a:r>
+            <a:r>
+              <a:rPr lang="en-US" sz="1600" dirty="0">
+                <a:sym typeface="Wingdings" panose="05000000000000000000" pitchFamily="2" charset="2"/>
+              </a:rPr>
+              <a:t> (Light Weight solution load)</a:t>
+            </a:r>
+          </a:p>
+          <a:p>
+            <a:pPr marL="1200150" lvl="2" indent="-285750">
+              <a:buFont typeface="Arial" panose="020B0604020202020204" pitchFamily="34" charset="0"/>
+              <a:buChar char="•"/>
+            </a:pPr>
+            <a:r>
+              <a:rPr lang="en-US" sz="1600" dirty="0">
+                <a:sym typeface="Wingdings" panose="05000000000000000000" pitchFamily="2" charset="2"/>
+              </a:rPr>
+              <a:t>VS can choose(default)</a:t>
+            </a:r>
+          </a:p>
+          <a:p>
+            <a:pPr marL="285750" indent="-285750">
+              <a:buFont typeface="Arial" panose="020B0604020202020204" pitchFamily="34" charset="0"/>
+              <a:buChar char="•"/>
+            </a:pPr>
+            <a:r>
+              <a:rPr lang="en-US" sz="1600" dirty="0">
+                <a:sym typeface="Wingdings" panose="05000000000000000000" pitchFamily="2" charset="2"/>
+              </a:rPr>
+              <a:t>Rename class within file will ask to rename file</a:t>
+            </a:r>
+          </a:p>
+          <a:p>
+            <a:pPr marL="285750" indent="-285750">
+              <a:buFont typeface="Arial" panose="020B0604020202020204" pitchFamily="34" charset="0"/>
+              <a:buChar char="•"/>
+            </a:pPr>
+            <a:r>
+              <a:rPr lang="en-US" sz="1600" dirty="0">
+                <a:sym typeface="Wingdings" panose="05000000000000000000" pitchFamily="2" charset="2"/>
+              </a:rPr>
+              <a:t>Find all refs</a:t>
+            </a:r>
+          </a:p>
+          <a:p>
+            <a:pPr marL="285750" indent="-285750">
+              <a:buFont typeface="Arial" panose="020B0604020202020204" pitchFamily="34" charset="0"/>
+              <a:buChar char="•"/>
+            </a:pPr>
+            <a:r>
+              <a:rPr lang="en-US" sz="1600" dirty="0">
+                <a:sym typeface="Wingdings" panose="05000000000000000000" pitchFamily="2" charset="2"/>
+              </a:rPr>
+              <a:t>Link to GitHub slides</a:t>
+            </a:r>
+          </a:p>
+          <a:p>
+            <a:pPr marL="285750" indent="-285750">
+              <a:buFont typeface="Arial" panose="020B0604020202020204" pitchFamily="34" charset="0"/>
+              <a:buChar char="•"/>
+            </a:pPr>
+            <a:endParaRPr lang="en-US" dirty="0"/>
           </a:p>
           <a:p>
             <a:pPr marL="285750" indent="-285750">
@@ -5598,7 +5747,7 @@
               <a:buFont typeface="Arial" panose="020B0604020202020204" pitchFamily="34" charset="0"/>
               <a:buChar char="•"/>
             </a:pPr>
-            <a:endParaRPr lang="en-US" b="1"/>
+            <a:endParaRPr lang="en-US" b="1" dirty="0"/>
           </a:p>
           <a:p>
             <a:pPr marL="285750" indent="-285750">
@@ -5693,8 +5842,8 @@
           <a:lstStyle/>
           <a:p>
             <a:pPr marL="342900" indent="-342900">
-              <a:buFont typeface="Wingdings" panose="05000000000000000000" pitchFamily="2" charset="2"/>
-              <a:buChar char="q"/>
+              <a:buFont typeface="Arial" panose="020B0604020202020204" pitchFamily="34" charset="0"/>
+              <a:buChar char="•"/>
             </a:pPr>
             <a:r>
               <a:rPr lang="en-US" dirty="0"/>
@@ -5703,8 +5852,8 @@
           </a:p>
           <a:p>
             <a:pPr marL="342900" indent="-342900">
-              <a:buFont typeface="Wingdings" panose="05000000000000000000" pitchFamily="2" charset="2"/>
-              <a:buChar char="q"/>
+              <a:buFont typeface="Arial" panose="020B0604020202020204" pitchFamily="34" charset="0"/>
+              <a:buChar char="•"/>
             </a:pPr>
             <a:r>
               <a:rPr lang="en-US" dirty="0"/>
@@ -5721,8 +5870,8 @@
           </a:p>
           <a:p>
             <a:pPr marL="342900" indent="-342900">
-              <a:buFont typeface="Wingdings" panose="05000000000000000000" pitchFamily="2" charset="2"/>
-              <a:buChar char="q"/>
+              <a:buFont typeface="Arial" panose="020B0604020202020204" pitchFamily="34" charset="0"/>
+              <a:buChar char="•"/>
             </a:pPr>
             <a:r>
               <a:rPr lang="en-US" dirty="0"/>
@@ -5731,8 +5880,8 @@
           </a:p>
           <a:p>
             <a:pPr marL="342900" indent="-342900">
-              <a:buFont typeface="Wingdings" panose="05000000000000000000" pitchFamily="2" charset="2"/>
-              <a:buChar char="q"/>
+              <a:buFont typeface="Arial" panose="020B0604020202020204" pitchFamily="34" charset="0"/>
+              <a:buChar char="•"/>
             </a:pPr>
             <a:r>
               <a:rPr lang="en-US" dirty="0"/>
@@ -5741,8 +5890,8 @@
           </a:p>
           <a:p>
             <a:pPr marL="342900" indent="-342900">
-              <a:buFont typeface="Wingdings" panose="05000000000000000000" pitchFamily="2" charset="2"/>
-              <a:buChar char="q"/>
+              <a:buFont typeface="Arial" panose="020B0604020202020204" pitchFamily="34" charset="0"/>
+              <a:buChar char="•"/>
             </a:pPr>
             <a:r>
               <a:rPr lang="en-US" dirty="0"/>
@@ -5750,9 +5899,9 @@
             </a:r>
           </a:p>
           <a:p>
-            <a:pPr marL="800100" lvl="1" indent="-342900">
-              <a:buFont typeface="Wingdings" panose="05000000000000000000" pitchFamily="2" charset="2"/>
-              <a:buChar char="q"/>
+            <a:pPr marL="742950" lvl="1" indent="-285750">
+              <a:buFont typeface="Arial" panose="020B0604020202020204" pitchFamily="34" charset="0"/>
+              <a:buChar char="•"/>
             </a:pPr>
             <a:r>
               <a:rPr lang="en-US" dirty="0" err="1"/>
@@ -5765,8 +5914,8 @@
           </a:p>
           <a:p>
             <a:pPr marL="342900" indent="-342900">
-              <a:buFont typeface="Wingdings" panose="05000000000000000000" pitchFamily="2" charset="2"/>
-              <a:buChar char="q"/>
+              <a:buFont typeface="Arial" panose="020B0604020202020204" pitchFamily="34" charset="0"/>
+              <a:buChar char="•"/>
             </a:pPr>
             <a:r>
               <a:rPr lang="en-US" dirty="0"/>
@@ -5775,8 +5924,8 @@
           </a:p>
           <a:p>
             <a:pPr marL="342900" indent="-342900">
-              <a:buFont typeface="Wingdings" panose="05000000000000000000" pitchFamily="2" charset="2"/>
-              <a:buChar char="q"/>
+              <a:buFont typeface="Arial" panose="020B0604020202020204" pitchFamily="34" charset="0"/>
+              <a:buChar char="•"/>
             </a:pPr>
             <a:r>
               <a:rPr lang="en-US" dirty="0"/>
@@ -5785,15 +5934,15 @@
           </a:p>
           <a:p>
             <a:pPr marL="342900" indent="-342900">
-              <a:buFont typeface="Wingdings" panose="05000000000000000000" pitchFamily="2" charset="2"/>
-              <a:buChar char="q"/>
+              <a:buFont typeface="Arial" panose="020B0604020202020204" pitchFamily="34" charset="0"/>
+              <a:buChar char="•"/>
             </a:pPr>
             <a:endParaRPr lang="en-US" dirty="0"/>
           </a:p>
           <a:p>
             <a:pPr marL="342900" indent="-342900">
-              <a:buFont typeface="Wingdings" panose="05000000000000000000" pitchFamily="2" charset="2"/>
-              <a:buChar char="q"/>
+              <a:buFont typeface="Arial" panose="020B0604020202020204" pitchFamily="34" charset="0"/>
+              <a:buChar char="•"/>
             </a:pPr>
             <a:r>
               <a:rPr lang="en-US" dirty="0">
@@ -6031,7 +6180,6 @@
               <a:rPr lang="en-US" dirty="0"/>
               <a:t>https://github.com/Bercet23/VSLive2017/blob/master/VSLiveSlides/W12_UPDATED_BuildingAppswithMicrosoftGraphandVisualStudio_Green.pdf</a:t>
             </a:r>
-            <a:endParaRPr lang="en-US" dirty="0"/>
           </a:p>
         </p:txBody>
       </p:sp>

--- a/VS LIVE 2017 Chicago.pptx
+++ b/VS LIVE 2017 Chicago.pptx
@@ -320,7 +320,7 @@
             <a:fld id="{B61BEF0D-F0BB-DE4B-95CE-6DB70DBA9567}" type="datetimeFigureOut">
               <a:rPr lang="en-US" dirty="0"/>
               <a:pPr/>
-              <a:t>09/25/2017</a:t>
+              <a:t>09/28/2017</a:t>
             </a:fld>
             <a:endParaRPr lang="en-US" dirty="0"/>
           </a:p>
@@ -753,7 +753,7 @@
             <a:fld id="{B61BEF0D-F0BB-DE4B-95CE-6DB70DBA9567}" type="datetimeFigureOut">
               <a:rPr lang="en-US" dirty="0"/>
               <a:pPr/>
-              <a:t>09/25/2017</a:t>
+              <a:t>09/28/2017</a:t>
             </a:fld>
             <a:endParaRPr lang="en-US" dirty="0"/>
           </a:p>
@@ -1000,7 +1000,7 @@
             <a:fld id="{B61BEF0D-F0BB-DE4B-95CE-6DB70DBA9567}" type="datetimeFigureOut">
               <a:rPr lang="en-US" dirty="0"/>
               <a:pPr/>
-              <a:t>09/25/2017</a:t>
+              <a:t>09/28/2017</a:t>
             </a:fld>
             <a:endParaRPr lang="en-US" dirty="0"/>
           </a:p>
@@ -1305,7 +1305,7 @@
             <a:fld id="{B61BEF0D-F0BB-DE4B-95CE-6DB70DBA9567}" type="datetimeFigureOut">
               <a:rPr lang="en-US" dirty="0"/>
               <a:pPr/>
-              <a:t>09/25/2017</a:t>
+              <a:t>09/28/2017</a:t>
             </a:fld>
             <a:endParaRPr lang="en-US" dirty="0"/>
           </a:p>
@@ -1620,7 +1620,7 @@
             <a:fld id="{B61BEF0D-F0BB-DE4B-95CE-6DB70DBA9567}" type="datetimeFigureOut">
               <a:rPr lang="en-US" dirty="0"/>
               <a:pPr/>
-              <a:t>09/25/2017</a:t>
+              <a:t>09/28/2017</a:t>
             </a:fld>
             <a:endParaRPr lang="en-US" dirty="0"/>
           </a:p>
@@ -1919,7 +1919,7 @@
             <a:fld id="{B61BEF0D-F0BB-DE4B-95CE-6DB70DBA9567}" type="datetimeFigureOut">
               <a:rPr lang="en-US" dirty="0"/>
               <a:pPr/>
-              <a:t>09/25/2017</a:t>
+              <a:t>09/28/2017</a:t>
             </a:fld>
             <a:endParaRPr lang="en-US" dirty="0"/>
           </a:p>
@@ -2283,7 +2283,7 @@
             <a:fld id="{B61BEF0D-F0BB-DE4B-95CE-6DB70DBA9567}" type="datetimeFigureOut">
               <a:rPr lang="en-US" dirty="0"/>
               <a:pPr/>
-              <a:t>09/25/2017</a:t>
+              <a:t>09/28/2017</a:t>
             </a:fld>
             <a:endParaRPr lang="en-US" dirty="0"/>
           </a:p>
@@ -2454,7 +2454,7 @@
             <a:fld id="{B61BEF0D-F0BB-DE4B-95CE-6DB70DBA9567}" type="datetimeFigureOut">
               <a:rPr lang="en-US" dirty="0"/>
               <a:pPr/>
-              <a:t>09/25/2017</a:t>
+              <a:t>09/28/2017</a:t>
             </a:fld>
             <a:endParaRPr lang="en-US" dirty="0"/>
           </a:p>
@@ -2631,7 +2631,7 @@
             <a:fld id="{B61BEF0D-F0BB-DE4B-95CE-6DB70DBA9567}" type="datetimeFigureOut">
               <a:rPr lang="en-US" dirty="0"/>
               <a:pPr/>
-              <a:t>09/25/2017</a:t>
+              <a:t>09/28/2017</a:t>
             </a:fld>
             <a:endParaRPr lang="en-US" dirty="0"/>
           </a:p>
@@ -2798,7 +2798,7 @@
             <a:fld id="{B61BEF0D-F0BB-DE4B-95CE-6DB70DBA9567}" type="datetimeFigureOut">
               <a:rPr lang="en-US" dirty="0"/>
               <a:pPr/>
-              <a:t>09/25/2017</a:t>
+              <a:t>09/28/2017</a:t>
             </a:fld>
             <a:endParaRPr lang="en-US" dirty="0"/>
           </a:p>
@@ -3045,7 +3045,7 @@
             <a:fld id="{B61BEF0D-F0BB-DE4B-95CE-6DB70DBA9567}" type="datetimeFigureOut">
               <a:rPr lang="en-US" dirty="0"/>
               <a:pPr/>
-              <a:t>09/25/2017</a:t>
+              <a:t>09/28/2017</a:t>
             </a:fld>
             <a:endParaRPr lang="en-US" dirty="0"/>
           </a:p>
@@ -3278,7 +3278,7 @@
             <a:fld id="{B61BEF0D-F0BB-DE4B-95CE-6DB70DBA9567}" type="datetimeFigureOut">
               <a:rPr lang="en-US" dirty="0"/>
               <a:pPr/>
-              <a:t>09/25/2017</a:t>
+              <a:t>09/28/2017</a:t>
             </a:fld>
             <a:endParaRPr lang="en-US" dirty="0"/>
           </a:p>
@@ -3657,7 +3657,7 @@
             <a:fld id="{B61BEF0D-F0BB-DE4B-95CE-6DB70DBA9567}" type="datetimeFigureOut">
               <a:rPr lang="en-US" dirty="0"/>
               <a:pPr/>
-              <a:t>09/25/2017</a:t>
+              <a:t>09/28/2017</a:t>
             </a:fld>
             <a:endParaRPr lang="en-US" dirty="0"/>
           </a:p>
@@ -3772,7 +3772,7 @@
             <a:fld id="{B61BEF0D-F0BB-DE4B-95CE-6DB70DBA9567}" type="datetimeFigureOut">
               <a:rPr lang="en-US" dirty="0"/>
               <a:pPr/>
-              <a:t>09/25/2017</a:t>
+              <a:t>09/28/2017</a:t>
             </a:fld>
             <a:endParaRPr lang="en-US" dirty="0"/>
           </a:p>
@@ -3864,7 +3864,7 @@
             <a:fld id="{B61BEF0D-F0BB-DE4B-95CE-6DB70DBA9567}" type="datetimeFigureOut">
               <a:rPr lang="en-US" dirty="0"/>
               <a:pPr/>
-              <a:t>09/25/2017</a:t>
+              <a:t>09/28/2017</a:t>
             </a:fld>
             <a:endParaRPr lang="en-US" dirty="0"/>
           </a:p>
@@ -4116,7 +4116,7 @@
             <a:fld id="{B61BEF0D-F0BB-DE4B-95CE-6DB70DBA9567}" type="datetimeFigureOut">
               <a:rPr lang="en-US" dirty="0"/>
               <a:pPr/>
-              <a:t>09/25/2017</a:t>
+              <a:t>09/28/2017</a:t>
             </a:fld>
             <a:endParaRPr lang="en-US" dirty="0"/>
           </a:p>
@@ -4396,7 +4396,7 @@
             <a:fld id="{B61BEF0D-F0BB-DE4B-95CE-6DB70DBA9567}" type="datetimeFigureOut">
               <a:rPr lang="en-US" dirty="0"/>
               <a:pPr/>
-              <a:t>09/25/2017</a:t>
+              <a:t>09/28/2017</a:t>
             </a:fld>
             <a:endParaRPr lang="en-US" dirty="0"/>
           </a:p>
@@ -4799,7 +4799,7 @@
             <a:fld id="{B61BEF0D-F0BB-DE4B-95CE-6DB70DBA9567}" type="datetimeFigureOut">
               <a:rPr lang="en-US" dirty="0"/>
               <a:pPr/>
-              <a:t>09/25/2017</a:t>
+              <a:t>09/28/2017</a:t>
             </a:fld>
             <a:endParaRPr lang="en-US" dirty="0"/>
           </a:p>
@@ -5465,8 +5465,8 @@
         </p:nvSpPr>
         <p:spPr>
           <a:xfrm>
-            <a:off x="771206" y="1917290"/>
-            <a:ext cx="8082116" cy="6494085"/>
+            <a:off x="309652" y="1681317"/>
+            <a:ext cx="5001797" cy="6155531"/>
           </a:xfrm>
           <a:prstGeom prst="rect">
             <a:avLst/>
@@ -5485,7 +5485,64 @@
             </a:pPr>
             <a:r>
               <a:rPr lang="en-US" sz="1600" dirty="0"/>
-              <a:t>Improve Project Load Time</a:t>
+              <a:t>Code Styles</a:t>
+            </a:r>
+          </a:p>
+          <a:p>
+            <a:pPr marL="742950" lvl="1" indent="-285750">
+              <a:buFont typeface="Arial" panose="020B0604020202020204" pitchFamily="34" charset="0"/>
+              <a:buChar char="•"/>
+            </a:pPr>
+            <a:r>
+              <a:rPr lang="en-US" sz="1600" b="1" dirty="0"/>
+              <a:t>Demo1</a:t>
+            </a:r>
+            <a:r>
+              <a:rPr lang="en-US" sz="1600" dirty="0"/>
+              <a:t>(Smudge) – </a:t>
+            </a:r>
+            <a:r>
+              <a:rPr lang="en-US" sz="1200" dirty="0" err="1"/>
+              <a:t>Tools</a:t>
+            </a:r>
+            <a:r>
+              <a:rPr lang="en-US" sz="1200" dirty="0" err="1">
+                <a:sym typeface="Wingdings" panose="05000000000000000000" pitchFamily="2" charset="2"/>
+              </a:rPr>
+              <a:t>OptionsTextEditorC</a:t>
+            </a:r>
+            <a:r>
+              <a:rPr lang="en-US" sz="1200" dirty="0">
+                <a:sym typeface="Wingdings" panose="05000000000000000000" pitchFamily="2" charset="2"/>
+              </a:rPr>
+              <a:t>#</a:t>
+            </a:r>
+            <a:r>
+              <a:rPr lang="en-US" sz="1200" dirty="0" err="1">
+                <a:sym typeface="Wingdings" panose="05000000000000000000" pitchFamily="2" charset="2"/>
+              </a:rPr>
+              <a:t>CodeStyles</a:t>
+            </a:r>
+            <a:endParaRPr lang="en-US" sz="1200" dirty="0"/>
+          </a:p>
+          <a:p>
+            <a:pPr marL="742950" lvl="1" indent="-285750">
+              <a:buFont typeface="Arial" panose="020B0604020202020204" pitchFamily="34" charset="0"/>
+              <a:buChar char="•"/>
+            </a:pPr>
+            <a:r>
+              <a:rPr lang="en-US" sz="1600" dirty="0"/>
+              <a:t>You decide level of importance</a:t>
+            </a:r>
+          </a:p>
+          <a:p>
+            <a:pPr marL="742950" lvl="1" indent="-285750">
+              <a:buFont typeface="Arial" panose="020B0604020202020204" pitchFamily="34" charset="0"/>
+              <a:buChar char="•"/>
+            </a:pPr>
+            <a:r>
+              <a:rPr lang="en-US" sz="1600" dirty="0"/>
+              <a:t>Fix all or just 1</a:t>
             </a:r>
           </a:p>
           <a:p>
@@ -5495,7 +5552,7 @@
             </a:pPr>
             <a:r>
               <a:rPr lang="en-US" sz="1600" dirty="0"/>
-              <a:t>Filter options</a:t>
+              <a:t>Quick Idea Code</a:t>
             </a:r>
           </a:p>
           <a:p>
@@ -5505,11 +5562,11 @@
             </a:pPr>
             <a:r>
               <a:rPr lang="en-US" sz="1600" b="1" dirty="0"/>
-              <a:t>Demo1</a:t>
+              <a:t>Demo2</a:t>
             </a:r>
             <a:r>
               <a:rPr lang="en-US" sz="1600" dirty="0"/>
-              <a:t>(Look at project w/ multiple types)</a:t>
+              <a:t>(Code Suggestions)</a:t>
             </a:r>
           </a:p>
           <a:p>
@@ -5519,7 +5576,7 @@
             </a:pPr>
             <a:r>
               <a:rPr lang="en-US" sz="1600" dirty="0"/>
-              <a:t>Code Styles</a:t>
+              <a:t>Editor Config file options</a:t>
             </a:r>
           </a:p>
           <a:p>
@@ -5529,23 +5586,20 @@
             </a:pPr>
             <a:r>
               <a:rPr lang="en-US" sz="1600" b="1" dirty="0"/>
-              <a:t>Demo2</a:t>
+              <a:t>Demo11</a:t>
             </a:r>
             <a:r>
               <a:rPr lang="en-US" sz="1600" dirty="0"/>
-              <a:t>(Smudge) – </a:t>
+              <a:t> – Look at .</a:t>
             </a:r>
             <a:r>
               <a:rPr lang="en-US" sz="1600" dirty="0" err="1"/>
-              <a:t>Tools</a:t>
-            </a:r>
-            <a:r>
-              <a:rPr lang="en-US" sz="1600" dirty="0" err="1">
-                <a:sym typeface="Wingdings" panose="05000000000000000000" pitchFamily="2" charset="2"/>
-              </a:rPr>
-              <a:t>OptionsCodeStyles</a:t>
-            </a:r>
-            <a:endParaRPr lang="en-US" sz="1600" dirty="0"/>
+              <a:t>editorconfig</a:t>
+            </a:r>
+            <a:r>
+              <a:rPr lang="en-US" sz="1600" dirty="0"/>
+              <a:t> file</a:t>
+            </a:r>
           </a:p>
           <a:p>
             <a:pPr marL="742950" lvl="1" indent="-285750">
@@ -5553,9 +5607,10 @@
               <a:buChar char="•"/>
             </a:pPr>
             <a:r>
-              <a:rPr lang="en-US" sz="1600" dirty="0"/>
-              <a:t>You decide level of importance</a:t>
-            </a:r>
+              <a:rPr lang="en-US" sz="1200" dirty="0"/>
+              <a:t>https://docs.microsoft.com/en-us/visualstudio/ide/create-portable-custom-editor-options</a:t>
+            </a:r>
+            <a:endParaRPr lang="en-US" sz="1200" dirty="0"/>
           </a:p>
           <a:p>
             <a:pPr marL="285750" indent="-285750">
@@ -5564,7 +5619,7 @@
             </a:pPr>
             <a:r>
               <a:rPr lang="en-US" sz="1600" dirty="0"/>
-              <a:t>Quick Idea Code </a:t>
+              <a:t>Live Unit Testing</a:t>
             </a:r>
           </a:p>
           <a:p>
@@ -5574,12 +5629,13 @@
             </a:pPr>
             <a:r>
               <a:rPr lang="en-US" sz="1600" b="1" dirty="0"/>
-              <a:t>Demo3</a:t>
+              <a:t>Demo4</a:t>
             </a:r>
             <a:r>
               <a:rPr lang="en-US" sz="1600" dirty="0"/>
-              <a:t>(Code Suggestions)</a:t>
-            </a:r>
+              <a:t>(Live Testing)</a:t>
+            </a:r>
+            <a:endParaRPr lang="en-US" sz="1600" dirty="0"/>
           </a:p>
           <a:p>
             <a:pPr marL="285750" indent="-285750">
@@ -5588,7 +5644,17 @@
             </a:pPr>
             <a:r>
               <a:rPr lang="en-US" sz="1600" dirty="0"/>
-              <a:t>Editor Config file options</a:t>
+              <a:t>Create Unit Tests</a:t>
+            </a:r>
+          </a:p>
+          <a:p>
+            <a:pPr marL="742950" lvl="1" indent="-285750">
+              <a:buFont typeface="Arial" panose="020B0604020202020204" pitchFamily="34" charset="0"/>
+              <a:buChar char="•"/>
+            </a:pPr>
+            <a:r>
+              <a:rPr lang="en-US" sz="1600" b="1" dirty="0"/>
+              <a:t>Demo3</a:t>
             </a:r>
           </a:p>
           <a:p>
@@ -5598,7 +5664,7 @@
             </a:pPr>
             <a:r>
               <a:rPr lang="en-US" sz="1600" dirty="0"/>
-              <a:t>Live Unit Testing</a:t>
+              <a:t>Light Weight Solution Loading</a:t>
             </a:r>
           </a:p>
           <a:p>
@@ -5607,20 +5673,6 @@
               <a:buChar char="•"/>
             </a:pPr>
             <a:r>
-              <a:rPr lang="en-US" sz="1600" b="1" dirty="0"/>
-              <a:t>Demo4</a:t>
-            </a:r>
-            <a:r>
-              <a:rPr lang="en-US" sz="1600" dirty="0"/>
-              <a:t>(Live Testing)</a:t>
-            </a:r>
-          </a:p>
-          <a:p>
-            <a:pPr marL="285750" indent="-285750">
-              <a:buFont typeface="Arial" panose="020B0604020202020204" pitchFamily="34" charset="0"/>
-              <a:buChar char="•"/>
-            </a:pPr>
-            <a:r>
               <a:rPr lang="en-US" sz="1600" dirty="0" err="1"/>
               <a:t>Tools</a:t>
             </a:r>
@@ -5630,9 +5682,12 @@
               </a:rPr>
               <a:t>OptionsProjects</a:t>
             </a:r>
-            <a:endParaRPr lang="en-US" sz="1600" dirty="0">
-              <a:sym typeface="Wingdings" panose="05000000000000000000" pitchFamily="2" charset="2"/>
-            </a:endParaRPr>
+            <a:r>
+              <a:rPr lang="en-US" sz="1600" dirty="0">
+                <a:sym typeface="Wingdings" panose="05000000000000000000" pitchFamily="2" charset="2"/>
+              </a:rPr>
+              <a:t> and Solutions</a:t>
+            </a:r>
           </a:p>
           <a:p>
             <a:pPr marL="742950" lvl="1" indent="-285750">
@@ -5663,49 +5718,10 @@
               </a:rPr>
               <a:t>VS can choose(default)</a:t>
             </a:r>
-          </a:p>
-          <a:p>
-            <a:pPr marL="285750" indent="-285750">
-              <a:buFont typeface="Arial" panose="020B0604020202020204" pitchFamily="34" charset="0"/>
-              <a:buChar char="•"/>
-            </a:pPr>
-            <a:r>
-              <a:rPr lang="en-US" sz="1600" dirty="0">
-                <a:sym typeface="Wingdings" panose="05000000000000000000" pitchFamily="2" charset="2"/>
-              </a:rPr>
-              <a:t>Rename class within file will ask to rename file</a:t>
-            </a:r>
-          </a:p>
-          <a:p>
-            <a:pPr marL="285750" indent="-285750">
-              <a:buFont typeface="Arial" panose="020B0604020202020204" pitchFamily="34" charset="0"/>
-              <a:buChar char="•"/>
-            </a:pPr>
-            <a:r>
-              <a:rPr lang="en-US" sz="1600" dirty="0">
-                <a:sym typeface="Wingdings" panose="05000000000000000000" pitchFamily="2" charset="2"/>
-              </a:rPr>
-              <a:t>Find all refs</a:t>
-            </a:r>
-          </a:p>
-          <a:p>
-            <a:pPr marL="285750" indent="-285750">
-              <a:buFont typeface="Arial" panose="020B0604020202020204" pitchFamily="34" charset="0"/>
-              <a:buChar char="•"/>
-            </a:pPr>
-            <a:r>
-              <a:rPr lang="en-US" sz="1600" dirty="0">
-                <a:sym typeface="Wingdings" panose="05000000000000000000" pitchFamily="2" charset="2"/>
-              </a:rPr>
-              <a:t>Link to GitHub slides</a:t>
-            </a:r>
-          </a:p>
-          <a:p>
-            <a:pPr marL="285750" indent="-285750">
-              <a:buFont typeface="Arial" panose="020B0604020202020204" pitchFamily="34" charset="0"/>
-              <a:buChar char="•"/>
-            </a:pPr>
-            <a:endParaRPr lang="en-US" dirty="0"/>
+            <a:endParaRPr lang="en-US" b="1" dirty="0"/>
+          </a:p>
+          <a:p>
+            <a:endParaRPr lang="en-US" b="1" dirty="0"/>
           </a:p>
           <a:p>
             <a:pPr marL="285750" indent="-285750">
@@ -5735,26 +5751,234 @@
             </a:pPr>
             <a:endParaRPr lang="en-US" b="1" dirty="0"/>
           </a:p>
+        </p:txBody>
+      </p:sp>
+      <p:sp>
+        <p:nvSpPr>
+          <p:cNvPr id="5" name="TextBox 4"/>
+          <p:cNvSpPr txBox="1"/>
+          <p:nvPr/>
+        </p:nvSpPr>
+        <p:spPr>
+          <a:xfrm>
+            <a:off x="6243851" y="1917290"/>
+            <a:ext cx="5179325" cy="4555093"/>
+          </a:xfrm>
+          <a:prstGeom prst="rect">
+            <a:avLst/>
+          </a:prstGeom>
+          <a:noFill/>
+        </p:spPr>
+        <p:txBody>
+          <a:bodyPr wrap="square" rtlCol="0">
+            <a:spAutoFit/>
+          </a:bodyPr>
+          <a:lstStyle/>
           <a:p>
             <a:pPr marL="285750" indent="-285750">
               <a:buFont typeface="Arial" panose="020B0604020202020204" pitchFamily="34" charset="0"/>
               <a:buChar char="•"/>
             </a:pPr>
-            <a:endParaRPr lang="en-US" b="1" dirty="0"/>
+            <a:r>
+              <a:rPr lang="en-US" sz="1600" dirty="0"/>
+              <a:t>Navigation improvements</a:t>
+            </a:r>
+          </a:p>
+          <a:p>
+            <a:pPr marL="742950" lvl="1" indent="-285750">
+              <a:buFont typeface="Arial" panose="020B0604020202020204" pitchFamily="34" charset="0"/>
+              <a:buChar char="•"/>
+            </a:pPr>
+            <a:r>
+              <a:rPr lang="en-US" sz="1600" dirty="0"/>
+              <a:t>Go To Concrete Definition(</a:t>
+            </a:r>
+            <a:r>
+              <a:rPr lang="en-US" sz="1600" b="1" dirty="0"/>
+              <a:t>Demo6</a:t>
+            </a:r>
+            <a:r>
+              <a:rPr lang="en-US" sz="1600" dirty="0"/>
+              <a:t>)</a:t>
+            </a:r>
+          </a:p>
+          <a:p>
+            <a:pPr marL="742950" lvl="1" indent="-285750">
+              <a:buFont typeface="Arial" panose="020B0604020202020204" pitchFamily="34" charset="0"/>
+              <a:buChar char="•"/>
+            </a:pPr>
+            <a:r>
+              <a:rPr lang="en-US" sz="1600" dirty="0"/>
+              <a:t>Go To All(</a:t>
+            </a:r>
+            <a:r>
+              <a:rPr lang="en-US" sz="1600" b="1" dirty="0"/>
+              <a:t>Demo7</a:t>
+            </a:r>
+            <a:r>
+              <a:rPr lang="en-US" sz="1600" dirty="0"/>
+              <a:t>)**</a:t>
+            </a:r>
+            <a:r>
+              <a:rPr lang="en-US" sz="1600" dirty="0" err="1"/>
+              <a:t>Wcf.Rating</a:t>
+            </a:r>
+            <a:endParaRPr lang="en-US" sz="1600" dirty="0"/>
+          </a:p>
+          <a:p>
+            <a:pPr marL="742950" lvl="1" indent="-285750">
+              <a:buFont typeface="Arial" panose="020B0604020202020204" pitchFamily="34" charset="0"/>
+              <a:buChar char="•"/>
+            </a:pPr>
+            <a:r>
+              <a:rPr lang="en-US" sz="1600" dirty="0"/>
+              <a:t>Find All Refs(</a:t>
+            </a:r>
+            <a:r>
+              <a:rPr lang="en-US" sz="1600" b="1" dirty="0"/>
+              <a:t>Demo8</a:t>
+            </a:r>
+            <a:r>
+              <a:rPr lang="en-US" sz="1600" dirty="0"/>
+              <a:t>)**</a:t>
+            </a:r>
+            <a:r>
+              <a:rPr lang="en-US" sz="1600" dirty="0" err="1"/>
+              <a:t>Wcf.Rating</a:t>
+            </a:r>
+            <a:endParaRPr lang="en-US" sz="1600" dirty="0"/>
+          </a:p>
+          <a:p>
+            <a:pPr marL="742950" lvl="1" indent="-285750">
+              <a:buFont typeface="Arial" panose="020B0604020202020204" pitchFamily="34" charset="0"/>
+              <a:buChar char="•"/>
+            </a:pPr>
+            <a:r>
+              <a:rPr lang="en-US" sz="1600" dirty="0"/>
+              <a:t>Run to Click(</a:t>
+            </a:r>
+            <a:r>
+              <a:rPr lang="en-US" sz="1600" b="1" dirty="0"/>
+              <a:t>Demo9</a:t>
+            </a:r>
+            <a:r>
+              <a:rPr lang="en-US" sz="1600" dirty="0"/>
+              <a:t>)</a:t>
+            </a:r>
+          </a:p>
+          <a:p>
+            <a:pPr marL="742950" lvl="1" indent="-285750">
+              <a:buFont typeface="Arial" panose="020B0604020202020204" pitchFamily="34" charset="0"/>
+              <a:buChar char="•"/>
+            </a:pPr>
+            <a:r>
+              <a:rPr lang="en-US" sz="1600" dirty="0"/>
+              <a:t>Filter options(</a:t>
+            </a:r>
+            <a:r>
+              <a:rPr lang="en-US" sz="1600" b="1" dirty="0"/>
+              <a:t>Demo10)</a:t>
+            </a:r>
+            <a:r>
+              <a:rPr lang="en-US" sz="1600" dirty="0"/>
+              <a:t>(**</a:t>
+            </a:r>
+            <a:r>
+              <a:rPr lang="en-US" sz="1600" dirty="0" err="1"/>
+              <a:t>Wcf.Rating</a:t>
+            </a:r>
+            <a:r>
+              <a:rPr lang="en-US" sz="1600" dirty="0"/>
+              <a:t>)</a:t>
+            </a:r>
           </a:p>
           <a:p>
             <a:pPr marL="285750" indent="-285750">
               <a:buFont typeface="Arial" panose="020B0604020202020204" pitchFamily="34" charset="0"/>
               <a:buChar char="•"/>
             </a:pPr>
-            <a:endParaRPr lang="en-US" b="1" dirty="0"/>
+            <a:r>
+              <a:rPr lang="en-US" sz="1600" dirty="0"/>
+              <a:t>New slimmed down </a:t>
+            </a:r>
+            <a:r>
+              <a:rPr lang="en-US" sz="1600" dirty="0" err="1"/>
+              <a:t>CSProj</a:t>
+            </a:r>
+            <a:r>
+              <a:rPr lang="en-US" sz="1600" dirty="0"/>
+              <a:t> Files</a:t>
+            </a:r>
           </a:p>
           <a:p>
             <a:pPr marL="285750" indent="-285750">
               <a:buFont typeface="Arial" panose="020B0604020202020204" pitchFamily="34" charset="0"/>
               <a:buChar char="•"/>
             </a:pPr>
-            <a:endParaRPr lang="en-US" b="1" dirty="0"/>
+            <a:r>
+              <a:rPr lang="en-US" sz="1600" dirty="0">
+                <a:sym typeface="Wingdings" panose="05000000000000000000" pitchFamily="2" charset="2"/>
+              </a:rPr>
+              <a:t>Rename class within file will ask to rename file</a:t>
+            </a:r>
+            <a:endParaRPr lang="en-US" sz="1600" dirty="0"/>
+          </a:p>
+          <a:p>
+            <a:endParaRPr lang="en-US" sz="1600" dirty="0"/>
+          </a:p>
+          <a:p>
+            <a:pPr marL="742950" lvl="1" indent="-285750">
+              <a:buFont typeface="Arial" panose="020B0604020202020204" pitchFamily="34" charset="0"/>
+              <a:buChar char="•"/>
+            </a:pPr>
+            <a:endParaRPr lang="en-US" sz="1600" dirty="0"/>
+          </a:p>
+          <a:p>
+            <a:pPr marL="285750" indent="-285750">
+              <a:buFont typeface="Arial" panose="020B0604020202020204" pitchFamily="34" charset="0"/>
+              <a:buChar char="•"/>
+            </a:pPr>
+            <a:r>
+              <a:rPr lang="en-US" sz="1600" dirty="0">
+                <a:sym typeface="Wingdings" panose="05000000000000000000" pitchFamily="2" charset="2"/>
+                <a:hlinkClick r:id="rId2"/>
+              </a:rPr>
+              <a:t>https://github.com/Bercet23/VSLive2017/blob/master/VSLiveSlides/T02_WhatsNewinVisualStudio2017_Green.pdf</a:t>
+            </a:r>
+            <a:endParaRPr lang="en-US" sz="1600" dirty="0">
+              <a:sym typeface="Wingdings" panose="05000000000000000000" pitchFamily="2" charset="2"/>
+            </a:endParaRPr>
+          </a:p>
+          <a:p>
+            <a:pPr marL="285750" indent="-285750">
+              <a:buFont typeface="Arial" panose="020B0604020202020204" pitchFamily="34" charset="0"/>
+              <a:buChar char="•"/>
+            </a:pPr>
+            <a:r>
+              <a:rPr lang="en-US" sz="1600" dirty="0">
+                <a:hlinkClick r:id="rId3"/>
+              </a:rPr>
+              <a:t>https://docs.microsoft.com/en-us/visualstudio/ide/whats-new-in-visual-studio</a:t>
+            </a:r>
+            <a:endParaRPr lang="en-US" sz="1600" dirty="0"/>
+          </a:p>
+          <a:p>
+            <a:pPr marL="285750" indent="-285750">
+              <a:buFont typeface="Arial" panose="020B0604020202020204" pitchFamily="34" charset="0"/>
+              <a:buChar char="•"/>
+            </a:pPr>
+            <a:endParaRPr lang="en-US" sz="1600" dirty="0"/>
+          </a:p>
+          <a:p>
+            <a:pPr marL="742950" lvl="1" indent="-285750">
+              <a:buFont typeface="Arial" panose="020B0604020202020204" pitchFamily="34" charset="0"/>
+              <a:buChar char="•"/>
+            </a:pPr>
+            <a:endParaRPr lang="en-US" sz="1600" dirty="0"/>
+          </a:p>
+          <a:p>
+            <a:pPr lvl="1"/>
+            <a:endParaRPr lang="en-US" dirty="0"/>
           </a:p>
         </p:txBody>
       </p:sp>

--- a/VS LIVE 2017 Chicago.pptx
+++ b/VS LIVE 2017 Chicago.pptx
@@ -4,12 +4,19 @@
   <p:sldMasterIdLst>
     <p:sldMasterId id="2147483648" r:id="rId1"/>
   </p:sldMasterIdLst>
+  <p:notesMasterIdLst>
+    <p:notesMasterId r:id="rId11"/>
+  </p:notesMasterIdLst>
   <p:sldIdLst>
     <p:sldId id="256" r:id="rId2"/>
     <p:sldId id="257" r:id="rId3"/>
     <p:sldId id="259" r:id="rId4"/>
     <p:sldId id="260" r:id="rId5"/>
-    <p:sldId id="258" r:id="rId6"/>
+    <p:sldId id="261" r:id="rId6"/>
+    <p:sldId id="263" r:id="rId7"/>
+    <p:sldId id="264" r:id="rId8"/>
+    <p:sldId id="262" r:id="rId9"/>
+    <p:sldId id="258" r:id="rId10"/>
   </p:sldIdLst>
   <p:sldSz cx="12192000" cy="6858000"/>
   <p:notesSz cx="6858000" cy="9144000"/>
@@ -112,6 +119,9 @@
     <p:ext uri="{EFAFB233-063F-42B5-8137-9DF3F51BA10A}">
       <p15:sldGuideLst xmlns:p15="http://schemas.microsoft.com/office/powerpoint/2012/main"/>
     </p:ext>
+    <p:ext uri="{2D200454-40CA-4A62-9FC3-DE9A4176ACB9}">
+      <p15:notesGuideLst xmlns:p15="http://schemas.microsoft.com/office/powerpoint/2012/main"/>
+    </p:ext>
   </p:extLst>
 </p:presentation>
 </file>
@@ -126,6 +136,442 @@
     </p:extLst>
   </p:cmAuthor>
 </p:cmAuthorLst>
+</file>
+
+<file path=ppt/notesMasters/notesMaster1.xml><?xml version="1.0" encoding="utf-8"?>
+<p:notesMaster xmlns:a="http://schemas.openxmlformats.org/drawingml/2006/main" xmlns:r="http://schemas.openxmlformats.org/officeDocument/2006/relationships" xmlns:p="http://schemas.openxmlformats.org/presentationml/2006/main">
+  <p:cSld>
+    <p:bg>
+      <p:bgRef idx="1001">
+        <a:schemeClr val="bg1"/>
+      </p:bgRef>
+    </p:bg>
+    <p:spTree>
+      <p:nvGrpSpPr>
+        <p:cNvPr id="1" name=""/>
+        <p:cNvGrpSpPr/>
+        <p:nvPr/>
+      </p:nvGrpSpPr>
+      <p:grpSpPr>
+        <a:xfrm>
+          <a:off x="0" y="0"/>
+          <a:ext cx="0" cy="0"/>
+          <a:chOff x="0" y="0"/>
+          <a:chExt cx="0" cy="0"/>
+        </a:xfrm>
+      </p:grpSpPr>
+      <p:sp>
+        <p:nvSpPr>
+          <p:cNvPr id="2" name="Header Placeholder 1"/>
+          <p:cNvSpPr>
+            <a:spLocks noGrp="1"/>
+          </p:cNvSpPr>
+          <p:nvPr>
+            <p:ph type="hdr" sz="quarter"/>
+          </p:nvPr>
+        </p:nvSpPr>
+        <p:spPr>
+          <a:xfrm>
+            <a:off x="0" y="1"/>
+            <a:ext cx="2971800" cy="458788"/>
+          </a:xfrm>
+          <a:prstGeom prst="rect">
+            <a:avLst/>
+          </a:prstGeom>
+        </p:spPr>
+        <p:txBody>
+          <a:bodyPr vert="horz" lIns="91440" tIns="45720" rIns="91440" bIns="45720" rtlCol="0"/>
+          <a:lstStyle>
+            <a:lvl1pPr algn="l">
+              <a:defRPr sz="1200"/>
+            </a:lvl1pPr>
+          </a:lstStyle>
+          <a:p>
+            <a:endParaRPr lang="en-US"/>
+          </a:p>
+        </p:txBody>
+      </p:sp>
+      <p:sp>
+        <p:nvSpPr>
+          <p:cNvPr id="3" name="Date Placeholder 2"/>
+          <p:cNvSpPr>
+            <a:spLocks noGrp="1"/>
+          </p:cNvSpPr>
+          <p:nvPr>
+            <p:ph type="dt" idx="1"/>
+          </p:nvPr>
+        </p:nvSpPr>
+        <p:spPr>
+          <a:xfrm>
+            <a:off x="3884613" y="1"/>
+            <a:ext cx="2971800" cy="458788"/>
+          </a:xfrm>
+          <a:prstGeom prst="rect">
+            <a:avLst/>
+          </a:prstGeom>
+        </p:spPr>
+        <p:txBody>
+          <a:bodyPr vert="horz" lIns="91440" tIns="45720" rIns="91440" bIns="45720" rtlCol="0"/>
+          <a:lstStyle>
+            <a:lvl1pPr algn="r">
+              <a:defRPr sz="1200"/>
+            </a:lvl1pPr>
+          </a:lstStyle>
+          <a:p>
+            <a:fld id="{D750D7A4-3173-4D2A-A2EF-77C6F0A9F95A}" type="datetimeFigureOut">
+              <a:rPr lang="en-US" smtClean="0"/>
+              <a:t>10/03/2017</a:t>
+            </a:fld>
+            <a:endParaRPr lang="en-US"/>
+          </a:p>
+        </p:txBody>
+      </p:sp>
+      <p:sp>
+        <p:nvSpPr>
+          <p:cNvPr id="4" name="Slide Image Placeholder 3"/>
+          <p:cNvSpPr>
+            <a:spLocks noGrp="1" noRot="1" noChangeAspect="1"/>
+          </p:cNvSpPr>
+          <p:nvPr>
+            <p:ph type="sldImg" idx="2"/>
+          </p:nvPr>
+        </p:nvSpPr>
+        <p:spPr>
+          <a:xfrm>
+            <a:off x="685800" y="1143000"/>
+            <a:ext cx="5486400" cy="3086100"/>
+          </a:xfrm>
+          <a:prstGeom prst="rect">
+            <a:avLst/>
+          </a:prstGeom>
+          <a:noFill/>
+          <a:ln w="12700">
+            <a:solidFill>
+              <a:prstClr val="black"/>
+            </a:solidFill>
+          </a:ln>
+        </p:spPr>
+        <p:txBody>
+          <a:bodyPr vert="horz" lIns="91440" tIns="45720" rIns="91440" bIns="45720" rtlCol="0" anchor="ctr"/>
+          <a:lstStyle/>
+          <a:p>
+            <a:endParaRPr lang="en-US"/>
+          </a:p>
+        </p:txBody>
+      </p:sp>
+      <p:sp>
+        <p:nvSpPr>
+          <p:cNvPr id="5" name="Notes Placeholder 4"/>
+          <p:cNvSpPr>
+            <a:spLocks noGrp="1"/>
+          </p:cNvSpPr>
+          <p:nvPr>
+            <p:ph type="body" sz="quarter" idx="3"/>
+          </p:nvPr>
+        </p:nvSpPr>
+        <p:spPr>
+          <a:xfrm>
+            <a:off x="685800" y="4400549"/>
+            <a:ext cx="5486400" cy="3600451"/>
+          </a:xfrm>
+          <a:prstGeom prst="rect">
+            <a:avLst/>
+          </a:prstGeom>
+        </p:spPr>
+        <p:txBody>
+          <a:bodyPr vert="horz" lIns="91440" tIns="45720" rIns="91440" bIns="45720" rtlCol="0"/>
+          <a:lstStyle/>
+          <a:p>
+            <a:pPr lvl="0"/>
+            <a:r>
+              <a:rPr lang="en-US"/>
+              <a:t>Edit Master text styles</a:t>
+            </a:r>
+          </a:p>
+          <a:p>
+            <a:pPr lvl="1"/>
+            <a:r>
+              <a:rPr lang="en-US"/>
+              <a:t>Second level</a:t>
+            </a:r>
+          </a:p>
+          <a:p>
+            <a:pPr lvl="2"/>
+            <a:r>
+              <a:rPr lang="en-US"/>
+              <a:t>Third level</a:t>
+            </a:r>
+          </a:p>
+          <a:p>
+            <a:pPr lvl="3"/>
+            <a:r>
+              <a:rPr lang="en-US"/>
+              <a:t>Fourth level</a:t>
+            </a:r>
+          </a:p>
+          <a:p>
+            <a:pPr lvl="4"/>
+            <a:r>
+              <a:rPr lang="en-US"/>
+              <a:t>Fifth level</a:t>
+            </a:r>
+          </a:p>
+        </p:txBody>
+      </p:sp>
+      <p:sp>
+        <p:nvSpPr>
+          <p:cNvPr id="6" name="Footer Placeholder 5"/>
+          <p:cNvSpPr>
+            <a:spLocks noGrp="1"/>
+          </p:cNvSpPr>
+          <p:nvPr>
+            <p:ph type="ftr" sz="quarter" idx="4"/>
+          </p:nvPr>
+        </p:nvSpPr>
+        <p:spPr>
+          <a:xfrm>
+            <a:off x="0" y="8685213"/>
+            <a:ext cx="2971800" cy="458787"/>
+          </a:xfrm>
+          <a:prstGeom prst="rect">
+            <a:avLst/>
+          </a:prstGeom>
+        </p:spPr>
+        <p:txBody>
+          <a:bodyPr vert="horz" lIns="91440" tIns="45720" rIns="91440" bIns="45720" rtlCol="0" anchor="b"/>
+          <a:lstStyle>
+            <a:lvl1pPr algn="l">
+              <a:defRPr sz="1200"/>
+            </a:lvl1pPr>
+          </a:lstStyle>
+          <a:p>
+            <a:endParaRPr lang="en-US"/>
+          </a:p>
+        </p:txBody>
+      </p:sp>
+      <p:sp>
+        <p:nvSpPr>
+          <p:cNvPr id="7" name="Slide Number Placeholder 6"/>
+          <p:cNvSpPr>
+            <a:spLocks noGrp="1"/>
+          </p:cNvSpPr>
+          <p:nvPr>
+            <p:ph type="sldNum" sz="quarter" idx="5"/>
+          </p:nvPr>
+        </p:nvSpPr>
+        <p:spPr>
+          <a:xfrm>
+            <a:off x="3884613" y="8685213"/>
+            <a:ext cx="2971800" cy="458787"/>
+          </a:xfrm>
+          <a:prstGeom prst="rect">
+            <a:avLst/>
+          </a:prstGeom>
+        </p:spPr>
+        <p:txBody>
+          <a:bodyPr vert="horz" lIns="91440" tIns="45720" rIns="91440" bIns="45720" rtlCol="0" anchor="b"/>
+          <a:lstStyle>
+            <a:lvl1pPr algn="r">
+              <a:defRPr sz="1200"/>
+            </a:lvl1pPr>
+          </a:lstStyle>
+          <a:p>
+            <a:fld id="{41600751-C846-4595-85C5-9A7FF784B3EA}" type="slidenum">
+              <a:rPr lang="en-US" smtClean="0"/>
+              <a:t>‹#›</a:t>
+            </a:fld>
+            <a:endParaRPr lang="en-US"/>
+          </a:p>
+        </p:txBody>
+      </p:sp>
+    </p:spTree>
+    <p:extLst>
+      <p:ext uri="{BB962C8B-B14F-4D97-AF65-F5344CB8AC3E}">
+        <p14:creationId xmlns:p14="http://schemas.microsoft.com/office/powerpoint/2010/main" val="20453092"/>
+      </p:ext>
+    </p:extLst>
+  </p:cSld>
+  <p:clrMap bg1="lt1" tx1="dk1" bg2="lt2" tx2="dk2" accent1="accent1" accent2="accent2" accent3="accent3" accent4="accent4" accent5="accent5" accent6="accent6" hlink="hlink" folHlink="folHlink"/>
+  <p:notesStyle>
+    <a:lvl1pPr marL="0" algn="l" defTabSz="914400" rtl="0" eaLnBrk="1" latinLnBrk="0" hangingPunct="1">
+      <a:defRPr sz="1200" kern="1200">
+        <a:solidFill>
+          <a:schemeClr val="tx1"/>
+        </a:solidFill>
+        <a:latin typeface="+mn-lt"/>
+        <a:ea typeface="+mn-ea"/>
+        <a:cs typeface="+mn-cs"/>
+      </a:defRPr>
+    </a:lvl1pPr>
+    <a:lvl2pPr marL="457200" algn="l" defTabSz="914400" rtl="0" eaLnBrk="1" latinLnBrk="0" hangingPunct="1">
+      <a:defRPr sz="1200" kern="1200">
+        <a:solidFill>
+          <a:schemeClr val="tx1"/>
+        </a:solidFill>
+        <a:latin typeface="+mn-lt"/>
+        <a:ea typeface="+mn-ea"/>
+        <a:cs typeface="+mn-cs"/>
+      </a:defRPr>
+    </a:lvl2pPr>
+    <a:lvl3pPr marL="914400" algn="l" defTabSz="914400" rtl="0" eaLnBrk="1" latinLnBrk="0" hangingPunct="1">
+      <a:defRPr sz="1200" kern="1200">
+        <a:solidFill>
+          <a:schemeClr val="tx1"/>
+        </a:solidFill>
+        <a:latin typeface="+mn-lt"/>
+        <a:ea typeface="+mn-ea"/>
+        <a:cs typeface="+mn-cs"/>
+      </a:defRPr>
+    </a:lvl3pPr>
+    <a:lvl4pPr marL="1371600" algn="l" defTabSz="914400" rtl="0" eaLnBrk="1" latinLnBrk="0" hangingPunct="1">
+      <a:defRPr sz="1200" kern="1200">
+        <a:solidFill>
+          <a:schemeClr val="tx1"/>
+        </a:solidFill>
+        <a:latin typeface="+mn-lt"/>
+        <a:ea typeface="+mn-ea"/>
+        <a:cs typeface="+mn-cs"/>
+      </a:defRPr>
+    </a:lvl4pPr>
+    <a:lvl5pPr marL="1828800" algn="l" defTabSz="914400" rtl="0" eaLnBrk="1" latinLnBrk="0" hangingPunct="1">
+      <a:defRPr sz="1200" kern="1200">
+        <a:solidFill>
+          <a:schemeClr val="tx1"/>
+        </a:solidFill>
+        <a:latin typeface="+mn-lt"/>
+        <a:ea typeface="+mn-ea"/>
+        <a:cs typeface="+mn-cs"/>
+      </a:defRPr>
+    </a:lvl5pPr>
+    <a:lvl6pPr marL="2286000" algn="l" defTabSz="914400" rtl="0" eaLnBrk="1" latinLnBrk="0" hangingPunct="1">
+      <a:defRPr sz="1200" kern="1200">
+        <a:solidFill>
+          <a:schemeClr val="tx1"/>
+        </a:solidFill>
+        <a:latin typeface="+mn-lt"/>
+        <a:ea typeface="+mn-ea"/>
+        <a:cs typeface="+mn-cs"/>
+      </a:defRPr>
+    </a:lvl6pPr>
+    <a:lvl7pPr marL="2743200" algn="l" defTabSz="914400" rtl="0" eaLnBrk="1" latinLnBrk="0" hangingPunct="1">
+      <a:defRPr sz="1200" kern="1200">
+        <a:solidFill>
+          <a:schemeClr val="tx1"/>
+        </a:solidFill>
+        <a:latin typeface="+mn-lt"/>
+        <a:ea typeface="+mn-ea"/>
+        <a:cs typeface="+mn-cs"/>
+      </a:defRPr>
+    </a:lvl7pPr>
+    <a:lvl8pPr marL="3200400" algn="l" defTabSz="914400" rtl="0" eaLnBrk="1" latinLnBrk="0" hangingPunct="1">
+      <a:defRPr sz="1200" kern="1200">
+        <a:solidFill>
+          <a:schemeClr val="tx1"/>
+        </a:solidFill>
+        <a:latin typeface="+mn-lt"/>
+        <a:ea typeface="+mn-ea"/>
+        <a:cs typeface="+mn-cs"/>
+      </a:defRPr>
+    </a:lvl8pPr>
+    <a:lvl9pPr marL="3657600" algn="l" defTabSz="914400" rtl="0" eaLnBrk="1" latinLnBrk="0" hangingPunct="1">
+      <a:defRPr sz="1200" kern="1200">
+        <a:solidFill>
+          <a:schemeClr val="tx1"/>
+        </a:solidFill>
+        <a:latin typeface="+mn-lt"/>
+        <a:ea typeface="+mn-ea"/>
+        <a:cs typeface="+mn-cs"/>
+      </a:defRPr>
+    </a:lvl9pPr>
+  </p:notesStyle>
+</p:notesMaster>
+</file>
+
+<file path=ppt/notesSlides/notesSlide1.xml><?xml version="1.0" encoding="utf-8"?>
+<p:notes xmlns:a="http://schemas.openxmlformats.org/drawingml/2006/main" xmlns:r="http://schemas.openxmlformats.org/officeDocument/2006/relationships" xmlns:p="http://schemas.openxmlformats.org/presentationml/2006/main">
+  <p:cSld>
+    <p:spTree>
+      <p:nvGrpSpPr>
+        <p:cNvPr id="1" name=""/>
+        <p:cNvGrpSpPr/>
+        <p:nvPr/>
+      </p:nvGrpSpPr>
+      <p:grpSpPr>
+        <a:xfrm>
+          <a:off x="0" y="0"/>
+          <a:ext cx="0" cy="0"/>
+          <a:chOff x="0" y="0"/>
+          <a:chExt cx="0" cy="0"/>
+        </a:xfrm>
+      </p:grpSpPr>
+      <p:sp>
+        <p:nvSpPr>
+          <p:cNvPr id="2" name="Slide Image Placeholder 1"/>
+          <p:cNvSpPr>
+            <a:spLocks noGrp="1" noRot="1" noChangeAspect="1"/>
+          </p:cNvSpPr>
+          <p:nvPr>
+            <p:ph type="sldImg"/>
+          </p:nvPr>
+        </p:nvSpPr>
+        <p:spPr/>
+      </p:sp>
+      <p:sp>
+        <p:nvSpPr>
+          <p:cNvPr id="3" name="Notes Placeholder 2"/>
+          <p:cNvSpPr>
+            <a:spLocks noGrp="1"/>
+          </p:cNvSpPr>
+          <p:nvPr>
+            <p:ph type="body" idx="1"/>
+          </p:nvPr>
+        </p:nvSpPr>
+        <p:spPr/>
+        <p:txBody>
+          <a:bodyPr/>
+          <a:lstStyle/>
+          <a:p>
+            <a:r>
+              <a:rPr lang="en-US" dirty="0"/>
+              <a:t>C:\app\source\sandbox</a:t>
+            </a:r>
+          </a:p>
+        </p:txBody>
+      </p:sp>
+      <p:sp>
+        <p:nvSpPr>
+          <p:cNvPr id="4" name="Slide Number Placeholder 3"/>
+          <p:cNvSpPr>
+            <a:spLocks noGrp="1"/>
+          </p:cNvSpPr>
+          <p:nvPr>
+            <p:ph type="sldNum" sz="quarter" idx="10"/>
+          </p:nvPr>
+        </p:nvSpPr>
+        <p:spPr/>
+        <p:txBody>
+          <a:bodyPr/>
+          <a:lstStyle/>
+          <a:p>
+            <a:fld id="{41600751-C846-4595-85C5-9A7FF784B3EA}" type="slidenum">
+              <a:rPr lang="en-US" smtClean="0"/>
+              <a:t>8</a:t>
+            </a:fld>
+            <a:endParaRPr lang="en-US"/>
+          </a:p>
+        </p:txBody>
+      </p:sp>
+    </p:spTree>
+    <p:extLst>
+      <p:ext uri="{BB962C8B-B14F-4D97-AF65-F5344CB8AC3E}">
+        <p14:creationId xmlns:p14="http://schemas.microsoft.com/office/powerpoint/2010/main" val="3331670465"/>
+      </p:ext>
+    </p:extLst>
+  </p:cSld>
+  <p:clrMapOvr>
+    <a:masterClrMapping/>
+  </p:clrMapOvr>
+</p:notes>
 </file>
 
 <file path=ppt/slideLayouts/slideLayout1.xml><?xml version="1.0" encoding="utf-8"?>
@@ -320,7 +766,7 @@
             <a:fld id="{B61BEF0D-F0BB-DE4B-95CE-6DB70DBA9567}" type="datetimeFigureOut">
               <a:rPr lang="en-US" dirty="0"/>
               <a:pPr/>
-              <a:t>09/28/2017</a:t>
+              <a:t>10/03/2017</a:t>
             </a:fld>
             <a:endParaRPr lang="en-US" dirty="0"/>
           </a:p>
@@ -753,7 +1199,7 @@
             <a:fld id="{B61BEF0D-F0BB-DE4B-95CE-6DB70DBA9567}" type="datetimeFigureOut">
               <a:rPr lang="en-US" dirty="0"/>
               <a:pPr/>
-              <a:t>09/28/2017</a:t>
+              <a:t>10/03/2017</a:t>
             </a:fld>
             <a:endParaRPr lang="en-US" dirty="0"/>
           </a:p>
@@ -1000,7 +1446,7 @@
             <a:fld id="{B61BEF0D-F0BB-DE4B-95CE-6DB70DBA9567}" type="datetimeFigureOut">
               <a:rPr lang="en-US" dirty="0"/>
               <a:pPr/>
-              <a:t>09/28/2017</a:t>
+              <a:t>10/03/2017</a:t>
             </a:fld>
             <a:endParaRPr lang="en-US" dirty="0"/>
           </a:p>
@@ -1305,7 +1751,7 @@
             <a:fld id="{B61BEF0D-F0BB-DE4B-95CE-6DB70DBA9567}" type="datetimeFigureOut">
               <a:rPr lang="en-US" dirty="0"/>
               <a:pPr/>
-              <a:t>09/28/2017</a:t>
+              <a:t>10/03/2017</a:t>
             </a:fld>
             <a:endParaRPr lang="en-US" dirty="0"/>
           </a:p>
@@ -1620,7 +2066,7 @@
             <a:fld id="{B61BEF0D-F0BB-DE4B-95CE-6DB70DBA9567}" type="datetimeFigureOut">
               <a:rPr lang="en-US" dirty="0"/>
               <a:pPr/>
-              <a:t>09/28/2017</a:t>
+              <a:t>10/03/2017</a:t>
             </a:fld>
             <a:endParaRPr lang="en-US" dirty="0"/>
           </a:p>
@@ -1919,7 +2365,7 @@
             <a:fld id="{B61BEF0D-F0BB-DE4B-95CE-6DB70DBA9567}" type="datetimeFigureOut">
               <a:rPr lang="en-US" dirty="0"/>
               <a:pPr/>
-              <a:t>09/28/2017</a:t>
+              <a:t>10/03/2017</a:t>
             </a:fld>
             <a:endParaRPr lang="en-US" dirty="0"/>
           </a:p>
@@ -2283,7 +2729,7 @@
             <a:fld id="{B61BEF0D-F0BB-DE4B-95CE-6DB70DBA9567}" type="datetimeFigureOut">
               <a:rPr lang="en-US" dirty="0"/>
               <a:pPr/>
-              <a:t>09/28/2017</a:t>
+              <a:t>10/03/2017</a:t>
             </a:fld>
             <a:endParaRPr lang="en-US" dirty="0"/>
           </a:p>
@@ -2454,7 +2900,7 @@
             <a:fld id="{B61BEF0D-F0BB-DE4B-95CE-6DB70DBA9567}" type="datetimeFigureOut">
               <a:rPr lang="en-US" dirty="0"/>
               <a:pPr/>
-              <a:t>09/28/2017</a:t>
+              <a:t>10/03/2017</a:t>
             </a:fld>
             <a:endParaRPr lang="en-US" dirty="0"/>
           </a:p>
@@ -2631,7 +3077,7 @@
             <a:fld id="{B61BEF0D-F0BB-DE4B-95CE-6DB70DBA9567}" type="datetimeFigureOut">
               <a:rPr lang="en-US" dirty="0"/>
               <a:pPr/>
-              <a:t>09/28/2017</a:t>
+              <a:t>10/03/2017</a:t>
             </a:fld>
             <a:endParaRPr lang="en-US" dirty="0"/>
           </a:p>
@@ -2798,7 +3244,7 @@
             <a:fld id="{B61BEF0D-F0BB-DE4B-95CE-6DB70DBA9567}" type="datetimeFigureOut">
               <a:rPr lang="en-US" dirty="0"/>
               <a:pPr/>
-              <a:t>09/28/2017</a:t>
+              <a:t>10/03/2017</a:t>
             </a:fld>
             <a:endParaRPr lang="en-US" dirty="0"/>
           </a:p>
@@ -3045,7 +3491,7 @@
             <a:fld id="{B61BEF0D-F0BB-DE4B-95CE-6DB70DBA9567}" type="datetimeFigureOut">
               <a:rPr lang="en-US" dirty="0"/>
               <a:pPr/>
-              <a:t>09/28/2017</a:t>
+              <a:t>10/03/2017</a:t>
             </a:fld>
             <a:endParaRPr lang="en-US" dirty="0"/>
           </a:p>
@@ -3278,7 +3724,7 @@
             <a:fld id="{B61BEF0D-F0BB-DE4B-95CE-6DB70DBA9567}" type="datetimeFigureOut">
               <a:rPr lang="en-US" dirty="0"/>
               <a:pPr/>
-              <a:t>09/28/2017</a:t>
+              <a:t>10/03/2017</a:t>
             </a:fld>
             <a:endParaRPr lang="en-US" dirty="0"/>
           </a:p>
@@ -3657,7 +4103,7 @@
             <a:fld id="{B61BEF0D-F0BB-DE4B-95CE-6DB70DBA9567}" type="datetimeFigureOut">
               <a:rPr lang="en-US" dirty="0"/>
               <a:pPr/>
-              <a:t>09/28/2017</a:t>
+              <a:t>10/03/2017</a:t>
             </a:fld>
             <a:endParaRPr lang="en-US" dirty="0"/>
           </a:p>
@@ -3772,7 +4218,7 @@
             <a:fld id="{B61BEF0D-F0BB-DE4B-95CE-6DB70DBA9567}" type="datetimeFigureOut">
               <a:rPr lang="en-US" dirty="0"/>
               <a:pPr/>
-              <a:t>09/28/2017</a:t>
+              <a:t>10/03/2017</a:t>
             </a:fld>
             <a:endParaRPr lang="en-US" dirty="0"/>
           </a:p>
@@ -3864,7 +4310,7 @@
             <a:fld id="{B61BEF0D-F0BB-DE4B-95CE-6DB70DBA9567}" type="datetimeFigureOut">
               <a:rPr lang="en-US" dirty="0"/>
               <a:pPr/>
-              <a:t>09/28/2017</a:t>
+              <a:t>10/03/2017</a:t>
             </a:fld>
             <a:endParaRPr lang="en-US" dirty="0"/>
           </a:p>
@@ -4116,7 +4562,7 @@
             <a:fld id="{B61BEF0D-F0BB-DE4B-95CE-6DB70DBA9567}" type="datetimeFigureOut">
               <a:rPr lang="en-US" dirty="0"/>
               <a:pPr/>
-              <a:t>09/28/2017</a:t>
+              <a:t>10/03/2017</a:t>
             </a:fld>
             <a:endParaRPr lang="en-US" dirty="0"/>
           </a:p>
@@ -4396,7 +4842,7 @@
             <a:fld id="{B61BEF0D-F0BB-DE4B-95CE-6DB70DBA9567}" type="datetimeFigureOut">
               <a:rPr lang="en-US" dirty="0"/>
               <a:pPr/>
-              <a:t>09/28/2017</a:t>
+              <a:t>10/03/2017</a:t>
             </a:fld>
             <a:endParaRPr lang="en-US" dirty="0"/>
           </a:p>
@@ -4799,7 +5245,7 @@
             <a:fld id="{B61BEF0D-F0BB-DE4B-95CE-6DB70DBA9567}" type="datetimeFigureOut">
               <a:rPr lang="en-US" dirty="0"/>
               <a:pPr/>
-              <a:t>09/28/2017</a:t>
+              <a:t>10/03/2017</a:t>
             </a:fld>
             <a:endParaRPr lang="en-US" dirty="0"/>
           </a:p>
@@ -5607,8 +6053,10 @@
               <a:buChar char="•"/>
             </a:pPr>
             <a:r>
-              <a:rPr lang="en-US" sz="1200" dirty="0"/>
-              <a:t>https://docs.microsoft.com/en-us/visualstudio/ide/create-portable-custom-editor-options</a:t>
+              <a:rPr lang="en-US" sz="1200" dirty="0">
+                <a:hlinkClick r:id="rId2"/>
+              </a:rPr>
+              <a:t>https://docs.microsoft.com/en-us/visualstudio/ide/editorconfig-code-style-settings-reference#var</a:t>
             </a:r>
             <a:endParaRPr lang="en-US" sz="1200" dirty="0"/>
           </a:p>
@@ -5635,7 +6083,6 @@
               <a:rPr lang="en-US" sz="1600" dirty="0"/>
               <a:t>(Live Testing)</a:t>
             </a:r>
-            <a:endParaRPr lang="en-US" sz="1600" dirty="0"/>
           </a:p>
           <a:p>
             <a:pPr marL="285750" indent="-285750">
@@ -5762,7 +6209,7 @@
         <p:spPr>
           <a:xfrm>
             <a:off x="6243851" y="1917290"/>
-            <a:ext cx="5179325" cy="4555093"/>
+            <a:ext cx="5179325" cy="4370427"/>
           </a:xfrm>
           <a:prstGeom prst="rect">
             <a:avLst/>
@@ -5791,15 +6238,17 @@
             </a:pPr>
             <a:r>
               <a:rPr lang="en-US" sz="1600" dirty="0"/>
-              <a:t>Go To Concrete Definition(</a:t>
-            </a:r>
-            <a:r>
-              <a:rPr lang="en-US" sz="1600" b="1" dirty="0"/>
-              <a:t>Demo6</a:t>
-            </a:r>
+              <a:t>Go To Concrete Definition(Ctrl + F12)</a:t>
+            </a:r>
+          </a:p>
+          <a:p>
+            <a:pPr marL="1200150" lvl="2" indent="-285750">
+              <a:buFont typeface="Arial" panose="020B0604020202020204" pitchFamily="34" charset="0"/>
+              <a:buChar char="•"/>
+            </a:pPr>
             <a:r>
               <a:rPr lang="en-US" sz="1600" dirty="0"/>
-              <a:t>)</a:t>
+              <a:t>(Demo6)</a:t>
             </a:r>
           </a:p>
           <a:p>
@@ -5809,21 +6258,36 @@
             </a:pPr>
             <a:r>
               <a:rPr lang="en-US" sz="1600" dirty="0"/>
-              <a:t>Go To All(</a:t>
-            </a:r>
-            <a:r>
-              <a:rPr lang="en-US" sz="1600" b="1" dirty="0"/>
-              <a:t>Demo7</a:t>
+              <a:t>Go To All (</a:t>
+            </a:r>
+            <a:r>
+              <a:rPr lang="en-US" sz="1600" dirty="0" err="1"/>
+              <a:t>Ctrl+T</a:t>
             </a:r>
             <a:r>
               <a:rPr lang="en-US" sz="1600" dirty="0"/>
-              <a:t>)**</a:t>
-            </a:r>
-            <a:r>
-              <a:rPr lang="en-US" sz="1600" dirty="0" err="1"/>
-              <a:t>Wcf.Rating</a:t>
-            </a:r>
-            <a:endParaRPr lang="en-US" sz="1600" dirty="0"/>
+              <a:t> or Ctrl+,) </a:t>
+            </a:r>
+            <a:r>
+              <a:rPr lang="en-US" sz="1200" dirty="0"/>
+              <a:t>– navigate directly to any file/type/member/symbol declaration. You can filter your result list or use the query syntax (for example, "f </a:t>
+            </a:r>
+            <a:r>
+              <a:rPr lang="en-US" sz="1200" dirty="0" err="1"/>
+              <a:t>searchTerm</a:t>
+            </a:r>
+            <a:r>
+              <a:rPr lang="en-US" sz="1200" dirty="0"/>
+              <a:t>" for files, "t </a:t>
+            </a:r>
+            <a:r>
+              <a:rPr lang="en-US" sz="1200" dirty="0" err="1"/>
+              <a:t>searchTerm</a:t>
+            </a:r>
+            <a:r>
+              <a:rPr lang="en-US" sz="1200" dirty="0"/>
+              <a:t>" for types, etc.).</a:t>
+            </a:r>
           </a:p>
           <a:p>
             <a:pPr marL="742950" lvl="1" indent="-285750">
@@ -5832,21 +6296,16 @@
             </a:pPr>
             <a:r>
               <a:rPr lang="en-US" sz="1600" dirty="0"/>
-              <a:t>Find All Refs(</a:t>
+              <a:t>Run to Click(</a:t>
             </a:r>
             <a:r>
               <a:rPr lang="en-US" sz="1600" b="1" dirty="0"/>
-              <a:t>Demo8</a:t>
+              <a:t>Demo9</a:t>
             </a:r>
             <a:r>
               <a:rPr lang="en-US" sz="1600" dirty="0"/>
-              <a:t>)**</a:t>
-            </a:r>
-            <a:r>
-              <a:rPr lang="en-US" sz="1600" dirty="0" err="1"/>
-              <a:t>Wcf.Rating</a:t>
-            </a:r>
-            <a:endParaRPr lang="en-US" sz="1600" dirty="0"/>
+              <a:t>)</a:t>
+            </a:r>
           </a:p>
           <a:p>
             <a:pPr marL="742950" lvl="1" indent="-285750">
@@ -5855,76 +6314,24 @@
             </a:pPr>
             <a:r>
               <a:rPr lang="en-US" sz="1600" dirty="0"/>
-              <a:t>Run to Click(</a:t>
+              <a:t>Filter options(</a:t>
             </a:r>
             <a:r>
               <a:rPr lang="en-US" sz="1600" b="1" dirty="0"/>
-              <a:t>Demo9</a:t>
+              <a:t>Demo10)</a:t>
+            </a:r>
+            <a:r>
+              <a:rPr lang="en-US" sz="1600" dirty="0"/>
+              <a:t>(**</a:t>
+            </a:r>
+            <a:r>
+              <a:rPr lang="en-US" sz="1600" dirty="0" err="1"/>
+              <a:t>Wcf.Rating</a:t>
             </a:r>
             <a:r>
               <a:rPr lang="en-US" sz="1600" dirty="0"/>
               <a:t>)</a:t>
             </a:r>
-          </a:p>
-          <a:p>
-            <a:pPr marL="742950" lvl="1" indent="-285750">
-              <a:buFont typeface="Arial" panose="020B0604020202020204" pitchFamily="34" charset="0"/>
-              <a:buChar char="•"/>
-            </a:pPr>
-            <a:r>
-              <a:rPr lang="en-US" sz="1600" dirty="0"/>
-              <a:t>Filter options(</a:t>
-            </a:r>
-            <a:r>
-              <a:rPr lang="en-US" sz="1600" b="1" dirty="0"/>
-              <a:t>Demo10)</a:t>
-            </a:r>
-            <a:r>
-              <a:rPr lang="en-US" sz="1600" dirty="0"/>
-              <a:t>(**</a:t>
-            </a:r>
-            <a:r>
-              <a:rPr lang="en-US" sz="1600" dirty="0" err="1"/>
-              <a:t>Wcf.Rating</a:t>
-            </a:r>
-            <a:r>
-              <a:rPr lang="en-US" sz="1600" dirty="0"/>
-              <a:t>)</a:t>
-            </a:r>
-          </a:p>
-          <a:p>
-            <a:pPr marL="285750" indent="-285750">
-              <a:buFont typeface="Arial" panose="020B0604020202020204" pitchFamily="34" charset="0"/>
-              <a:buChar char="•"/>
-            </a:pPr>
-            <a:r>
-              <a:rPr lang="en-US" sz="1600" dirty="0"/>
-              <a:t>New slimmed down </a:t>
-            </a:r>
-            <a:r>
-              <a:rPr lang="en-US" sz="1600" dirty="0" err="1"/>
-              <a:t>CSProj</a:t>
-            </a:r>
-            <a:r>
-              <a:rPr lang="en-US" sz="1600" dirty="0"/>
-              <a:t> Files</a:t>
-            </a:r>
-          </a:p>
-          <a:p>
-            <a:pPr marL="285750" indent="-285750">
-              <a:buFont typeface="Arial" panose="020B0604020202020204" pitchFamily="34" charset="0"/>
-              <a:buChar char="•"/>
-            </a:pPr>
-            <a:r>
-              <a:rPr lang="en-US" sz="1600" dirty="0">
-                <a:sym typeface="Wingdings" panose="05000000000000000000" pitchFamily="2" charset="2"/>
-              </a:rPr>
-              <a:t>Rename class within file will ask to rename file</a:t>
-            </a:r>
-            <a:endParaRPr lang="en-US" sz="1600" dirty="0"/>
-          </a:p>
-          <a:p>
-            <a:endParaRPr lang="en-US" sz="1600" dirty="0"/>
           </a:p>
           <a:p>
             <a:pPr marL="742950" lvl="1" indent="-285750">
@@ -5941,7 +6348,7 @@
             <a:r>
               <a:rPr lang="en-US" sz="1600" dirty="0">
                 <a:sym typeface="Wingdings" panose="05000000000000000000" pitchFamily="2" charset="2"/>
-                <a:hlinkClick r:id="rId2"/>
+                <a:hlinkClick r:id="rId3"/>
               </a:rPr>
               <a:t>https://github.com/Bercet23/VSLive2017/blob/master/VSLiveSlides/T02_WhatsNewinVisualStudio2017_Green.pdf</a:t>
             </a:r>
@@ -5956,7 +6363,7 @@
             </a:pPr>
             <a:r>
               <a:rPr lang="en-US" sz="1600" dirty="0">
-                <a:hlinkClick r:id="rId3"/>
+                <a:hlinkClick r:id="rId4"/>
               </a:rPr>
               <a:t>https://docs.microsoft.com/en-us/visualstudio/ide/whats-new-in-visual-studio</a:t>
             </a:r>
@@ -6038,7 +6445,7 @@
             </a:r>
             <a:r>
               <a:rPr lang="en-US" dirty="0"/>
-              <a:t> new in C#7</a:t>
+              <a:t> new in C#7.1</a:t>
             </a:r>
           </a:p>
         </p:txBody>
@@ -6061,7 +6468,7 @@
         </p:spPr>
         <p:txBody>
           <a:bodyPr>
-            <a:normAutofit fontScale="92500" lnSpcReduction="10000"/>
+            <a:normAutofit/>
           </a:bodyPr>
           <a:lstStyle/>
           <a:p>
@@ -6070,9 +6477,22 @@
               <a:buChar char="•"/>
             </a:pPr>
             <a:r>
-              <a:rPr lang="en-US" dirty="0"/>
+              <a:rPr lang="en-US" sz="1200" b="1" dirty="0"/>
               <a:t>Local functions</a:t>
             </a:r>
+          </a:p>
+          <a:p>
+            <a:pPr marL="800100" lvl="1" indent="-342900" algn="l">
+              <a:buFont typeface="Arial" panose="020B0604020202020204" pitchFamily="34" charset="0"/>
+              <a:buChar char="•"/>
+            </a:pPr>
+            <a:r>
+              <a:rPr lang="en-US" sz="1200" dirty="0">
+                <a:hlinkClick r:id="rId2"/>
+              </a:rPr>
+              <a:t>https://docs.microsoft.com/en-us/dotnet/csharp/programming-guide/classes-and-structs/local-functions</a:t>
+            </a:r>
+            <a:endParaRPr lang="en-US" sz="1200" dirty="0"/>
           </a:p>
           <a:p>
             <a:pPr marL="342900" indent="-342900">
@@ -6080,17 +6500,22 @@
               <a:buChar char="•"/>
             </a:pPr>
             <a:r>
-              <a:rPr lang="en-US" dirty="0"/>
-              <a:t>Benchmark </a:t>
-            </a:r>
-            <a:r>
-              <a:rPr lang="en-US" dirty="0" err="1"/>
-              <a:t>Nuget</a:t>
-            </a:r>
-            <a:r>
-              <a:rPr lang="en-US" dirty="0"/>
-              <a:t> Project</a:t>
-            </a:r>
+              <a:rPr lang="en-US" sz="1200" b="1" dirty="0"/>
+              <a:t>Pattern Matching</a:t>
+            </a:r>
+          </a:p>
+          <a:p>
+            <a:pPr marL="800100" lvl="1" indent="-342900" algn="l">
+              <a:buFont typeface="Arial" panose="020B0604020202020204" pitchFamily="34" charset="0"/>
+              <a:buChar char="•"/>
+            </a:pPr>
+            <a:r>
+              <a:rPr lang="en-US" sz="1200" dirty="0">
+                <a:hlinkClick r:id="rId3"/>
+              </a:rPr>
+              <a:t>https://docs.microsoft.com/en-us/dotnet/csharp/pattern-matching</a:t>
+            </a:r>
+            <a:endParaRPr lang="en-US" sz="1200" dirty="0"/>
           </a:p>
           <a:p>
             <a:pPr marL="342900" indent="-342900">
@@ -6098,9 +6523,46 @@
               <a:buChar char="•"/>
             </a:pPr>
             <a:r>
-              <a:rPr lang="en-US" dirty="0"/>
-              <a:t>Pattern Matching</a:t>
-            </a:r>
+              <a:rPr lang="en-US" sz="1200" b="1" dirty="0"/>
+              <a:t>Tuples	</a:t>
+            </a:r>
+          </a:p>
+          <a:p>
+            <a:pPr marL="800100" lvl="1" indent="-342900" algn="l">
+              <a:buFont typeface="Arial" panose="020B0604020202020204" pitchFamily="34" charset="0"/>
+              <a:buChar char="•"/>
+            </a:pPr>
+            <a:r>
+              <a:rPr lang="en-US" sz="1200" dirty="0"/>
+              <a:t>Basically functions that can return multiple return values/objects</a:t>
+            </a:r>
+          </a:p>
+          <a:p>
+            <a:pPr marL="800100" lvl="1" indent="-342900" algn="l">
+              <a:buFont typeface="Arial" panose="020B0604020202020204" pitchFamily="34" charset="0"/>
+              <a:buChar char="•"/>
+            </a:pPr>
+            <a:r>
+              <a:rPr lang="en-US" sz="1200" dirty="0"/>
+              <a:t>//Demo Tuple</a:t>
+            </a:r>
+          </a:p>
+          <a:p>
+            <a:pPr marL="285750" indent="-285750">
+              <a:buFont typeface="Arial" panose="020B0604020202020204" pitchFamily="34" charset="0"/>
+              <a:buChar char="•"/>
+            </a:pPr>
+            <a:r>
+              <a:rPr lang="en-US" sz="1200" b="1" dirty="0" err="1"/>
+              <a:t>Asyc</a:t>
+            </a:r>
+            <a:r>
+              <a:rPr lang="en-US" sz="1200" b="1" dirty="0"/>
+              <a:t> Main method now allowed</a:t>
+            </a:r>
+            <a:endParaRPr lang="en-US" sz="1200" b="1" dirty="0">
+              <a:hlinkClick r:id="rId4"/>
+            </a:endParaRPr>
           </a:p>
           <a:p>
             <a:pPr marL="342900" indent="-342900">
@@ -6108,8 +6570,8 @@
               <a:buChar char="•"/>
             </a:pPr>
             <a:r>
-              <a:rPr lang="en-US" dirty="0"/>
-              <a:t>Tuples</a:t>
+              <a:rPr lang="en-US" sz="1200" b="1" dirty="0"/>
+              <a:t>Future(7.2, 7.3?,8.0) – Trying out the . Releases so faster to market with changes.</a:t>
             </a:r>
           </a:p>
           <a:p>
@@ -6118,64 +6580,52 @@
               <a:buChar char="•"/>
             </a:pPr>
             <a:r>
-              <a:rPr lang="en-US" dirty="0"/>
-              <a:t>C# 7.1</a:t>
-            </a:r>
-          </a:p>
-          <a:p>
-            <a:pPr marL="742950" lvl="1" indent="-285750">
-              <a:buFont typeface="Arial" panose="020B0604020202020204" pitchFamily="34" charset="0"/>
-              <a:buChar char="•"/>
-            </a:pPr>
-            <a:r>
-              <a:rPr lang="en-US" dirty="0" err="1"/>
-              <a:t>Asyc</a:t>
-            </a:r>
-            <a:r>
-              <a:rPr lang="en-US" dirty="0"/>
-              <a:t> Main method now allowed</a:t>
-            </a:r>
-          </a:p>
-          <a:p>
-            <a:pPr marL="342900" indent="-342900">
-              <a:buFont typeface="Arial" panose="020B0604020202020204" pitchFamily="34" charset="0"/>
-              <a:buChar char="•"/>
-            </a:pPr>
-            <a:r>
-              <a:rPr lang="en-US" dirty="0"/>
-              <a:t>Future(7.2, 7.3?,8.0)</a:t>
-            </a:r>
-          </a:p>
-          <a:p>
-            <a:pPr marL="342900" indent="-342900">
-              <a:buFont typeface="Arial" panose="020B0604020202020204" pitchFamily="34" charset="0"/>
-              <a:buChar char="•"/>
-            </a:pPr>
-            <a:r>
-              <a:rPr lang="en-US" dirty="0"/>
-              <a:t>Shapes</a:t>
-            </a:r>
-          </a:p>
-          <a:p>
-            <a:pPr marL="342900" indent="-342900">
-              <a:buFont typeface="Arial" panose="020B0604020202020204" pitchFamily="34" charset="0"/>
-              <a:buChar char="•"/>
-            </a:pPr>
-            <a:endParaRPr lang="en-US" dirty="0"/>
-          </a:p>
-          <a:p>
-            <a:pPr marL="342900" indent="-342900">
-              <a:buFont typeface="Arial" panose="020B0604020202020204" pitchFamily="34" charset="0"/>
-              <a:buChar char="•"/>
-            </a:pPr>
-            <a:r>
-              <a:rPr lang="en-US" dirty="0">
-                <a:hlinkClick r:id="rId2"/>
+              <a:rPr lang="en-US" sz="1200" dirty="0">
+                <a:hlinkClick r:id="rId4"/>
+              </a:rPr>
+              <a:t>https://blogs.msdn.microsoft.com/dotnet/2017/03/09/new-features-in-c-7-0/</a:t>
+            </a:r>
+            <a:endParaRPr lang="en-US" sz="1200" dirty="0"/>
+          </a:p>
+          <a:p>
+            <a:r>
+              <a:rPr lang="en-US" sz="1200" b="1" dirty="0"/>
+              <a:t> </a:t>
+            </a:r>
+            <a:endParaRPr lang="en-US" sz="1200" dirty="0">
+              <a:hlinkClick r:id="rId5"/>
+            </a:endParaRPr>
+          </a:p>
+          <a:p>
+            <a:endParaRPr lang="en-US" sz="1200" dirty="0">
+              <a:highlight>
+                <a:srgbClr val="800080"/>
+              </a:highlight>
+              <a:hlinkClick r:id="rId5"/>
+            </a:endParaRPr>
+          </a:p>
+          <a:p>
+            <a:r>
+              <a:rPr lang="en-US" sz="1200" dirty="0">
+                <a:solidFill>
+                  <a:schemeClr val="accent2">
+                    <a:lumMod val="60000"/>
+                    <a:lumOff val="40000"/>
+                  </a:schemeClr>
+                </a:solidFill>
+                <a:hlinkClick r:id="rId5"/>
               </a:rPr>
               <a:t>https://github.com/Bercet23/VSLive2017/blob/master/VSLiveSlides/T06_WhatsNewinC7_Bock.pdf</a:t>
             </a:r>
             <a:r>
-              <a:rPr lang="en-US" dirty="0"/>
+              <a:rPr lang="en-US" sz="1200" dirty="0">
+                <a:solidFill>
+                  <a:schemeClr val="accent2">
+                    <a:lumMod val="60000"/>
+                    <a:lumOff val="40000"/>
+                  </a:schemeClr>
+                </a:solidFill>
+              </a:rPr>
               <a:t>	</a:t>
             </a:r>
           </a:p>
@@ -6249,7 +6699,7 @@
         <p:spPr>
           <a:xfrm>
             <a:off x="972766" y="1741251"/>
-            <a:ext cx="7091464" cy="2769989"/>
+            <a:ext cx="7091464" cy="3139321"/>
           </a:xfrm>
           <a:prstGeom prst="rect">
             <a:avLst/>
@@ -6389,6 +6839,26 @@
             <a:endParaRPr lang="en-US" sz="1200" dirty="0"/>
           </a:p>
           <a:p>
+            <a:pPr marL="742950" lvl="1" indent="-285750">
+              <a:buFont typeface="Arial" panose="020B0604020202020204" pitchFamily="34" charset="0"/>
+              <a:buChar char="•"/>
+            </a:pPr>
+            <a:r>
+              <a:rPr lang="en-US" sz="1200" dirty="0"/>
+              <a:t>Graph Explorer</a:t>
+            </a:r>
+          </a:p>
+          <a:p>
+            <a:pPr marL="742950" lvl="1" indent="-285750">
+              <a:buFont typeface="Arial" panose="020B0604020202020204" pitchFamily="34" charset="0"/>
+              <a:buChar char="•"/>
+            </a:pPr>
+            <a:r>
+              <a:rPr lang="en-US" sz="1200" dirty="0"/>
+              <a:t>Needs Authentication…</a:t>
+            </a:r>
+          </a:p>
+          <a:p>
             <a:pPr marL="285750" indent="-285750">
               <a:buFont typeface="Arial" panose="020B0604020202020204" pitchFamily="34" charset="0"/>
               <a:buChar char="•"/>
@@ -6401,9 +6871,12 @@
               <a:buChar char="•"/>
             </a:pPr>
             <a:r>
-              <a:rPr lang="en-US" dirty="0"/>
+              <a:rPr lang="en-US" dirty="0">
+                <a:hlinkClick r:id="rId13"/>
+              </a:rPr>
               <a:t>https://github.com/Bercet23/VSLive2017/blob/master/VSLiveSlides/W12_UPDATED_BuildingAppswithMicrosoftGraphandVisualStudio_Green.pdf</a:t>
             </a:r>
+            <a:endParaRPr lang="en-US" dirty="0"/>
           </a:p>
         </p:txBody>
       </p:sp>
@@ -6439,14 +6912,568 @@
       </p:grpSpPr>
       <p:sp>
         <p:nvSpPr>
+          <p:cNvPr id="2" name="Title 1"/>
+          <p:cNvSpPr>
+            <a:spLocks noGrp="1"/>
+          </p:cNvSpPr>
+          <p:nvPr>
+            <p:ph type="title"/>
+          </p:nvPr>
+        </p:nvSpPr>
+        <p:spPr>
+          <a:xfrm>
+            <a:off x="395871" y="642457"/>
+            <a:ext cx="10348329" cy="1143000"/>
+          </a:xfrm>
+        </p:spPr>
+        <p:txBody>
+          <a:bodyPr/>
+          <a:lstStyle/>
+          <a:p>
+            <a:r>
+              <a:rPr lang="en-US" dirty="0"/>
+              <a:t>James </a:t>
+            </a:r>
+            <a:r>
+              <a:rPr lang="en-US" dirty="0" err="1"/>
+              <a:t>Montemagno</a:t>
+            </a:r>
+            <a:endParaRPr lang="en-US" dirty="0"/>
+          </a:p>
+        </p:txBody>
+      </p:sp>
+      <p:sp>
+        <p:nvSpPr>
+          <p:cNvPr id="4" name="Text Placeholder 3"/>
+          <p:cNvSpPr>
+            <a:spLocks noGrp="1"/>
+          </p:cNvSpPr>
+          <p:nvPr>
+            <p:ph type="body" sz="half" idx="2"/>
+          </p:nvPr>
+        </p:nvSpPr>
+        <p:spPr>
+          <a:xfrm>
+            <a:off x="494950" y="1879134"/>
+            <a:ext cx="10249250" cy="2946865"/>
+          </a:xfrm>
+        </p:spPr>
+        <p:txBody>
+          <a:bodyPr/>
+          <a:lstStyle/>
+          <a:p>
+            <a:pPr marL="285750" indent="-285750">
+              <a:buFont typeface="Arial" panose="020B0604020202020204" pitchFamily="34" charset="0"/>
+              <a:buChar char="•"/>
+            </a:pPr>
+            <a:endParaRPr lang="en-US" dirty="0">
+              <a:hlinkClick r:id="rId2"/>
+            </a:endParaRPr>
+          </a:p>
+          <a:p>
+            <a:pPr marL="285750" indent="-285750">
+              <a:buFont typeface="Arial" panose="020B0604020202020204" pitchFamily="34" charset="0"/>
+              <a:buChar char="•"/>
+            </a:pPr>
+            <a:r>
+              <a:rPr lang="en-US" u="sng" dirty="0">
+                <a:hlinkClick r:id="rId3" tooltip="James on Twitter"/>
+              </a:rPr>
+              <a:t>@</a:t>
+            </a:r>
+            <a:r>
+              <a:rPr lang="en-US" u="sng" dirty="0" err="1">
+                <a:hlinkClick r:id="rId3" tooltip="James on Twitter"/>
+              </a:rPr>
+              <a:t>JamesMontemagno</a:t>
+            </a:r>
+            <a:endParaRPr lang="en-US" u="sng" dirty="0"/>
+          </a:p>
+          <a:p>
+            <a:pPr marL="742950" lvl="1" indent="-285750">
+              <a:buFont typeface="Arial" panose="020B0604020202020204" pitchFamily="34" charset="0"/>
+              <a:buChar char="•"/>
+            </a:pPr>
+            <a:r>
+              <a:rPr lang="en-US" dirty="0">
+                <a:hlinkClick r:id="rId2"/>
+              </a:rPr>
+              <a:t>https://github.com/Bercet23/VSLive2017/blob/master/VSLiveSlides/W10_NativeiOSAndroidXamarin_Montemagno.pdf</a:t>
+            </a:r>
+          </a:p>
+          <a:p>
+            <a:pPr marL="742950" lvl="1" indent="-285750">
+              <a:buFont typeface="Arial" panose="020B0604020202020204" pitchFamily="34" charset="0"/>
+              <a:buChar char="•"/>
+            </a:pPr>
+            <a:r>
+              <a:rPr lang="en-US" dirty="0">
+                <a:hlinkClick r:id="rId2"/>
+              </a:rPr>
+              <a:t>https://github.com/Bercet23/VSLive2017/blob/master/VSLiveSlides/W14_MobileDevOps_Montemagno.pdf</a:t>
+            </a:r>
+          </a:p>
+          <a:p>
+            <a:pPr marL="285750" indent="-285750">
+              <a:buFont typeface="Arial" panose="020B0604020202020204" pitchFamily="34" charset="0"/>
+              <a:buChar char="•"/>
+            </a:pPr>
+            <a:r>
+              <a:rPr lang="en-US" dirty="0">
+                <a:hlinkClick r:id="rId2"/>
+              </a:rPr>
+              <a:t>https://channel9.msdn.com/Niners/JamesMontemagno</a:t>
+            </a:r>
+            <a:endParaRPr lang="en-US" dirty="0"/>
+          </a:p>
+          <a:p>
+            <a:pPr marL="285750" indent="-285750">
+              <a:buFont typeface="Arial" panose="020B0604020202020204" pitchFamily="34" charset="0"/>
+              <a:buChar char="•"/>
+            </a:pPr>
+            <a:endParaRPr lang="en-US" dirty="0"/>
+          </a:p>
+        </p:txBody>
+      </p:sp>
+    </p:spTree>
+    <p:extLst>
+      <p:ext uri="{BB962C8B-B14F-4D97-AF65-F5344CB8AC3E}">
+        <p14:creationId xmlns:p14="http://schemas.microsoft.com/office/powerpoint/2010/main" val="339083991"/>
+      </p:ext>
+    </p:extLst>
+  </p:cSld>
+  <p:clrMapOvr>
+    <a:masterClrMapping/>
+  </p:clrMapOvr>
+</p:sld>
+</file>
+
+<file path=ppt/slides/slide6.xml><?xml version="1.0" encoding="utf-8"?>
+<p:sld xmlns:a="http://schemas.openxmlformats.org/drawingml/2006/main" xmlns:r="http://schemas.openxmlformats.org/officeDocument/2006/relationships" xmlns:p="http://schemas.openxmlformats.org/presentationml/2006/main">
+  <p:cSld>
+    <p:spTree>
+      <p:nvGrpSpPr>
+        <p:cNvPr id="1" name=""/>
+        <p:cNvGrpSpPr/>
+        <p:nvPr/>
+      </p:nvGrpSpPr>
+      <p:grpSpPr>
+        <a:xfrm>
+          <a:off x="0" y="0"/>
+          <a:ext cx="0" cy="0"/>
+          <a:chOff x="0" y="0"/>
+          <a:chExt cx="0" cy="0"/>
+        </a:xfrm>
+      </p:grpSpPr>
+      <p:sp>
+        <p:nvSpPr>
+          <p:cNvPr id="2" name="Title 1"/>
+          <p:cNvSpPr>
+            <a:spLocks noGrp="1"/>
+          </p:cNvSpPr>
+          <p:nvPr>
+            <p:ph type="title"/>
+          </p:nvPr>
+        </p:nvSpPr>
+        <p:spPr>
+          <a:xfrm>
+            <a:off x="684213" y="685800"/>
+            <a:ext cx="10058400" cy="1267287"/>
+          </a:xfrm>
+        </p:spPr>
+        <p:txBody>
+          <a:bodyPr/>
+          <a:lstStyle/>
+          <a:p>
+            <a:r>
+              <a:rPr lang="en-US" dirty="0"/>
+              <a:t>Visual studio live agenda</a:t>
+            </a:r>
+          </a:p>
+        </p:txBody>
+      </p:sp>
+      <p:sp>
+        <p:nvSpPr>
+          <p:cNvPr id="4" name="Text Placeholder 3"/>
+          <p:cNvSpPr>
+            <a:spLocks noGrp="1"/>
+          </p:cNvSpPr>
+          <p:nvPr>
+            <p:ph type="body" idx="1"/>
+          </p:nvPr>
+        </p:nvSpPr>
+        <p:spPr>
+          <a:xfrm>
+            <a:off x="684211" y="1740024"/>
+            <a:ext cx="8534401" cy="4254376"/>
+          </a:xfrm>
+        </p:spPr>
+        <p:txBody>
+          <a:bodyPr/>
+          <a:lstStyle/>
+          <a:p>
+            <a:r>
+              <a:rPr lang="en-US" dirty="0"/>
+              <a:t>8 Different Tracks</a:t>
+            </a:r>
+          </a:p>
+          <a:p>
+            <a:pPr marL="285750" indent="-285750">
+              <a:buFontTx/>
+              <a:buChar char="-"/>
+            </a:pPr>
+            <a:r>
+              <a:rPr lang="en-US" dirty="0"/>
+              <a:t>Dev Ops</a:t>
+            </a:r>
+          </a:p>
+          <a:p>
+            <a:pPr marL="285750" indent="-285750">
+              <a:buFontTx/>
+              <a:buChar char="-"/>
+            </a:pPr>
+            <a:r>
+              <a:rPr lang="en-US" dirty="0"/>
+              <a:t>Cloud Computing</a:t>
+            </a:r>
+          </a:p>
+          <a:p>
+            <a:pPr marL="285750" indent="-285750">
+              <a:buFontTx/>
+              <a:buChar char="-"/>
+            </a:pPr>
+            <a:r>
+              <a:rPr lang="en-US" dirty="0"/>
+              <a:t>Database and Analytics</a:t>
+            </a:r>
+          </a:p>
+          <a:p>
+            <a:pPr marL="285750" indent="-285750">
+              <a:buFontTx/>
+              <a:buChar char="-"/>
+            </a:pPr>
+            <a:r>
+              <a:rPr lang="en-US" dirty="0"/>
+              <a:t>Native Client</a:t>
+            </a:r>
+          </a:p>
+          <a:p>
+            <a:pPr marL="285750" indent="-285750">
+              <a:buFontTx/>
+              <a:buChar char="-"/>
+            </a:pPr>
+            <a:r>
+              <a:rPr lang="en-US" dirty="0"/>
+              <a:t>Software Practices</a:t>
+            </a:r>
+          </a:p>
+          <a:p>
+            <a:pPr marL="285750" indent="-285750">
+              <a:buFontTx/>
+              <a:buChar char="-"/>
+            </a:pPr>
+            <a:r>
+              <a:rPr lang="en-US" dirty="0"/>
+              <a:t>Visual Studio / .NET Framework</a:t>
+            </a:r>
+          </a:p>
+          <a:p>
+            <a:pPr marL="285750" indent="-285750">
+              <a:buFontTx/>
+              <a:buChar char="-"/>
+            </a:pPr>
+            <a:r>
+              <a:rPr lang="en-US" dirty="0"/>
+              <a:t>Web Client</a:t>
+            </a:r>
+          </a:p>
+          <a:p>
+            <a:pPr marL="285750" indent="-285750">
+              <a:buFontTx/>
+              <a:buChar char="-"/>
+            </a:pPr>
+            <a:r>
+              <a:rPr lang="en-US" dirty="0"/>
+              <a:t>Web Server</a:t>
+            </a:r>
+          </a:p>
+        </p:txBody>
+      </p:sp>
+    </p:spTree>
+    <p:extLst>
+      <p:ext uri="{BB962C8B-B14F-4D97-AF65-F5344CB8AC3E}">
+        <p14:creationId xmlns:p14="http://schemas.microsoft.com/office/powerpoint/2010/main" val="2127816072"/>
+      </p:ext>
+    </p:extLst>
+  </p:cSld>
+  <p:clrMapOvr>
+    <a:masterClrMapping/>
+  </p:clrMapOvr>
+</p:sld>
+</file>
+
+<file path=ppt/slides/slide7.xml><?xml version="1.0" encoding="utf-8"?>
+<p:sld xmlns:a="http://schemas.openxmlformats.org/drawingml/2006/main" xmlns:r="http://schemas.openxmlformats.org/officeDocument/2006/relationships" xmlns:p="http://schemas.openxmlformats.org/presentationml/2006/main">
+  <p:cSld>
+    <p:spTree>
+      <p:nvGrpSpPr>
+        <p:cNvPr id="1" name=""/>
+        <p:cNvGrpSpPr/>
+        <p:nvPr/>
+      </p:nvGrpSpPr>
+      <p:grpSpPr>
+        <a:xfrm>
+          <a:off x="0" y="0"/>
+          <a:ext cx="0" cy="0"/>
+          <a:chOff x="0" y="0"/>
+          <a:chExt cx="0" cy="0"/>
+        </a:xfrm>
+      </p:grpSpPr>
+      <p:sp>
+        <p:nvSpPr>
+          <p:cNvPr id="2" name="Title 1"/>
+          <p:cNvSpPr>
+            <a:spLocks noGrp="1"/>
+          </p:cNvSpPr>
+          <p:nvPr>
+            <p:ph type="title"/>
+          </p:nvPr>
+        </p:nvSpPr>
+        <p:spPr>
+          <a:xfrm>
+            <a:off x="684213" y="685800"/>
+            <a:ext cx="10058400" cy="1071979"/>
+          </a:xfrm>
+        </p:spPr>
+        <p:txBody>
+          <a:bodyPr/>
+          <a:lstStyle/>
+          <a:p>
+            <a:r>
+              <a:rPr lang="en-US" dirty="0"/>
+              <a:t>Visual Studio Live Information</a:t>
+            </a:r>
+          </a:p>
+        </p:txBody>
+      </p:sp>
+      <p:sp>
+        <p:nvSpPr>
+          <p:cNvPr id="4" name="Text Placeholder 3"/>
+          <p:cNvSpPr>
+            <a:spLocks noGrp="1"/>
+          </p:cNvSpPr>
+          <p:nvPr>
+            <p:ph type="body" idx="1"/>
+          </p:nvPr>
+        </p:nvSpPr>
+        <p:spPr>
+          <a:xfrm>
+            <a:off x="684211" y="1660124"/>
+            <a:ext cx="8534401" cy="4334275"/>
+          </a:xfrm>
+        </p:spPr>
+        <p:txBody>
+          <a:bodyPr/>
+          <a:lstStyle/>
+          <a:p>
+            <a:pPr marL="285750" indent="-285750">
+              <a:buFontTx/>
+              <a:buChar char="-"/>
+            </a:pPr>
+            <a:r>
+              <a:rPr lang="en-US" dirty="0">
+                <a:hlinkClick r:id="rId2"/>
+              </a:rPr>
+              <a:t>https://vslive.com/chicago</a:t>
+            </a:r>
+            <a:endParaRPr lang="en-US" dirty="0"/>
+          </a:p>
+          <a:p>
+            <a:pPr marL="285750" indent="-285750">
+              <a:buFontTx/>
+              <a:buChar char="-"/>
+            </a:pPr>
+            <a:r>
+              <a:rPr lang="en-US" dirty="0">
+                <a:hlinkClick r:id="rId3"/>
+              </a:rPr>
+              <a:t>https://vslive.com/chicagoslides</a:t>
+            </a:r>
+            <a:endParaRPr lang="en-US" dirty="0"/>
+          </a:p>
+          <a:p>
+            <a:pPr marL="742950" lvl="1" indent="-285750">
+              <a:buFontTx/>
+              <a:buChar char="-"/>
+            </a:pPr>
+            <a:r>
+              <a:rPr lang="en-US" dirty="0"/>
+              <a:t>User Name: </a:t>
+            </a:r>
+            <a:r>
+              <a:rPr lang="en-US" dirty="0" err="1"/>
+              <a:t>ChicagoVSL</a:t>
+            </a:r>
+            <a:endParaRPr lang="en-US" dirty="0"/>
+          </a:p>
+          <a:p>
+            <a:pPr marL="742950" lvl="1" indent="-285750">
+              <a:buFontTx/>
+              <a:buChar char="-"/>
+            </a:pPr>
+            <a:r>
+              <a:rPr lang="en-US" dirty="0"/>
+              <a:t>Password: </a:t>
+            </a:r>
+            <a:r>
+              <a:rPr lang="en-US" dirty="0" err="1"/>
+              <a:t>SweeTHome</a:t>
+            </a:r>
+            <a:endParaRPr lang="en-US" dirty="0"/>
+          </a:p>
+        </p:txBody>
+      </p:sp>
+    </p:spTree>
+    <p:extLst>
+      <p:ext uri="{BB962C8B-B14F-4D97-AF65-F5344CB8AC3E}">
+        <p14:creationId xmlns:p14="http://schemas.microsoft.com/office/powerpoint/2010/main" val="3305628703"/>
+      </p:ext>
+    </p:extLst>
+  </p:cSld>
+  <p:clrMapOvr>
+    <a:masterClrMapping/>
+  </p:clrMapOvr>
+</p:sld>
+</file>
+
+<file path=ppt/slides/slide8.xml><?xml version="1.0" encoding="utf-8"?>
+<p:sld xmlns:a="http://schemas.openxmlformats.org/drawingml/2006/main" xmlns:r="http://schemas.openxmlformats.org/officeDocument/2006/relationships" xmlns:p="http://schemas.openxmlformats.org/presentationml/2006/main">
+  <p:cSld>
+    <p:spTree>
+      <p:nvGrpSpPr>
+        <p:cNvPr id="1" name=""/>
+        <p:cNvGrpSpPr/>
+        <p:nvPr/>
+      </p:nvGrpSpPr>
+      <p:grpSpPr>
+        <a:xfrm>
+          <a:off x="0" y="0"/>
+          <a:ext cx="0" cy="0"/>
+          <a:chOff x="0" y="0"/>
+          <a:chExt cx="0" cy="0"/>
+        </a:xfrm>
+      </p:grpSpPr>
+      <p:sp>
+        <p:nvSpPr>
+          <p:cNvPr id="2" name="Title 1"/>
+          <p:cNvSpPr>
+            <a:spLocks noGrp="1"/>
+          </p:cNvSpPr>
+          <p:nvPr>
+            <p:ph type="title"/>
+          </p:nvPr>
+        </p:nvSpPr>
+        <p:spPr/>
+        <p:txBody>
+          <a:bodyPr/>
+          <a:lstStyle/>
+          <a:p>
+            <a:r>
+              <a:rPr lang="en-US" dirty="0"/>
+              <a:t>T07 Roll your own Dashboard in </a:t>
+            </a:r>
+            <a:r>
+              <a:rPr lang="en-US" dirty="0" err="1"/>
+              <a:t>xaml</a:t>
+            </a:r>
+            <a:br>
+              <a:rPr lang="en-US" dirty="0"/>
+            </a:br>
+            <a:r>
+              <a:rPr lang="en-US" dirty="0"/>
+              <a:t>- Billy </a:t>
+            </a:r>
+            <a:r>
+              <a:rPr lang="en-US" dirty="0" err="1"/>
+              <a:t>hollis</a:t>
+            </a:r>
+            <a:endParaRPr lang="en-US" dirty="0"/>
+          </a:p>
+        </p:txBody>
+      </p:sp>
+      <p:sp>
+        <p:nvSpPr>
+          <p:cNvPr id="3" name="Text Placeholder 2"/>
+          <p:cNvSpPr>
+            <a:spLocks noGrp="1"/>
+          </p:cNvSpPr>
+          <p:nvPr>
+            <p:ph type="body" idx="1"/>
+          </p:nvPr>
+        </p:nvSpPr>
+        <p:spPr>
+          <a:xfrm>
+            <a:off x="684211" y="2521258"/>
+            <a:ext cx="8534401" cy="3473141"/>
+          </a:xfrm>
+        </p:spPr>
+        <p:txBody>
+          <a:bodyPr/>
+          <a:lstStyle/>
+          <a:p>
+            <a:r>
+              <a:rPr lang="en-US" dirty="0">
+                <a:hlinkClick r:id="rId3"/>
+              </a:rPr>
+              <a:t>https://attachments.1105media.com/Attachments/VSLive/Events/Chicago%202017/Sessions/Tuesday/T07_RollYourOwnDashboard_Hollis.pdf</a:t>
+            </a:r>
+            <a:endParaRPr lang="en-US" dirty="0"/>
+          </a:p>
+          <a:p>
+            <a:endParaRPr lang="en-US" dirty="0"/>
+          </a:p>
+        </p:txBody>
+      </p:sp>
+    </p:spTree>
+    <p:extLst>
+      <p:ext uri="{BB962C8B-B14F-4D97-AF65-F5344CB8AC3E}">
+        <p14:creationId xmlns:p14="http://schemas.microsoft.com/office/powerpoint/2010/main" val="1770907857"/>
+      </p:ext>
+    </p:extLst>
+  </p:cSld>
+  <p:clrMapOvr>
+    <a:masterClrMapping/>
+  </p:clrMapOvr>
+</p:sld>
+</file>
+
+<file path=ppt/slides/slide9.xml><?xml version="1.0" encoding="utf-8"?>
+<p:sld xmlns:a="http://schemas.openxmlformats.org/drawingml/2006/main" xmlns:r="http://schemas.openxmlformats.org/officeDocument/2006/relationships" xmlns:p="http://schemas.openxmlformats.org/presentationml/2006/main">
+  <p:cSld>
+    <p:spTree>
+      <p:nvGrpSpPr>
+        <p:cNvPr id="1" name=""/>
+        <p:cNvGrpSpPr/>
+        <p:nvPr/>
+      </p:nvGrpSpPr>
+      <p:grpSpPr>
+        <a:xfrm>
+          <a:off x="0" y="0"/>
+          <a:ext cx="0" cy="0"/>
+          <a:chOff x="0" y="0"/>
+          <a:chExt cx="0" cy="0"/>
+        </a:xfrm>
+      </p:grpSpPr>
+      <p:sp>
+        <p:nvSpPr>
           <p:cNvPr id="2" name="TextBox 1"/>
           <p:cNvSpPr txBox="1"/>
           <p:nvPr/>
         </p:nvSpPr>
         <p:spPr>
           <a:xfrm>
-            <a:off x="807397" y="1235414"/>
-            <a:ext cx="7101192" cy="923330"/>
+            <a:off x="807397" y="1235413"/>
+            <a:ext cx="9091612" cy="3416320"/>
           </a:xfrm>
           <a:prstGeom prst="rect">
             <a:avLst/>
@@ -6463,6 +7490,72 @@
               <a:buFont typeface="Arial" panose="020B0604020202020204" pitchFamily="34" charset="0"/>
               <a:buChar char="•"/>
             </a:pPr>
+            <a:endParaRPr lang="en-US" dirty="0"/>
+          </a:p>
+          <a:p>
+            <a:pPr marL="285750" indent="-285750">
+              <a:buFont typeface="Arial" panose="020B0604020202020204" pitchFamily="34" charset="0"/>
+              <a:buChar char="•"/>
+            </a:pPr>
+            <a:endParaRPr lang="en-US" dirty="0"/>
+          </a:p>
+          <a:p>
+            <a:endParaRPr lang="en-US" dirty="0"/>
+          </a:p>
+          <a:p>
+            <a:pPr marL="285750" indent="-285750">
+              <a:buFont typeface="Arial" panose="020B0604020202020204" pitchFamily="34" charset="0"/>
+              <a:buChar char="•"/>
+            </a:pPr>
+            <a:endParaRPr lang="en-US" dirty="0"/>
+          </a:p>
+          <a:p>
+            <a:pPr marL="285750" indent="-285750">
+              <a:buFont typeface="Arial" panose="020B0604020202020204" pitchFamily="34" charset="0"/>
+              <a:buChar char="•"/>
+            </a:pPr>
+            <a:endParaRPr lang="en-US" dirty="0"/>
+          </a:p>
+          <a:p>
+            <a:pPr marL="285750" indent="-285750">
+              <a:buFont typeface="Arial" panose="020B0604020202020204" pitchFamily="34" charset="0"/>
+              <a:buChar char="•"/>
+            </a:pPr>
+            <a:endParaRPr lang="en-US" dirty="0"/>
+          </a:p>
+          <a:p>
+            <a:pPr marL="285750" indent="-285750">
+              <a:buFont typeface="Arial" panose="020B0604020202020204" pitchFamily="34" charset="0"/>
+              <a:buChar char="•"/>
+            </a:pPr>
+            <a:endParaRPr lang="en-US" dirty="0"/>
+          </a:p>
+          <a:p>
+            <a:pPr marL="285750" indent="-285750">
+              <a:buFont typeface="Arial" panose="020B0604020202020204" pitchFamily="34" charset="0"/>
+              <a:buChar char="•"/>
+            </a:pPr>
+            <a:endParaRPr lang="en-US" dirty="0"/>
+          </a:p>
+          <a:p>
+            <a:pPr marL="285750" indent="-285750">
+              <a:buFont typeface="Arial" panose="020B0604020202020204" pitchFamily="34" charset="0"/>
+              <a:buChar char="•"/>
+            </a:pPr>
+            <a:endParaRPr lang="en-US" dirty="0"/>
+          </a:p>
+          <a:p>
+            <a:pPr marL="285750" indent="-285750">
+              <a:buFont typeface="Arial" panose="020B0604020202020204" pitchFamily="34" charset="0"/>
+              <a:buChar char="•"/>
+            </a:pPr>
+            <a:endParaRPr lang="en-US" dirty="0"/>
+          </a:p>
+          <a:p>
+            <a:pPr marL="285750" indent="-285750">
+              <a:buFont typeface="Arial" panose="020B0604020202020204" pitchFamily="34" charset="0"/>
+              <a:buChar char="•"/>
+            </a:pPr>
             <a:r>
               <a:rPr lang="en-US" dirty="0"/>
               <a:t>All demos and slides can be found at </a:t>
@@ -6475,16 +7568,84 @@
             </a:r>
             <a:endParaRPr lang="en-US" dirty="0"/>
           </a:p>
-          <a:p>
-            <a:pPr marL="285750" indent="-285750">
-              <a:buFont typeface="Arial" panose="020B0604020202020204" pitchFamily="34" charset="0"/>
-              <a:buChar char="•"/>
-            </a:pPr>
-            <a:r>
-              <a:rPr lang="en-US"/>
-              <a:t>Change</a:t>
-            </a:r>
-            <a:endParaRPr lang="en-US" dirty="0"/>
+        </p:txBody>
+      </p:sp>
+      <p:sp>
+        <p:nvSpPr>
+          <p:cNvPr id="3" name="Rectangle 2"/>
+          <p:cNvSpPr/>
+          <p:nvPr/>
+        </p:nvSpPr>
+        <p:spPr>
+          <a:xfrm>
+            <a:off x="2253560" y="1708986"/>
+            <a:ext cx="5352747" cy="923330"/>
+          </a:xfrm>
+          <a:prstGeom prst="rect">
+            <a:avLst/>
+          </a:prstGeom>
+          <a:noFill/>
+        </p:spPr>
+        <p:txBody>
+          <a:bodyPr wrap="none" lIns="91440" tIns="45720" rIns="91440" bIns="45720">
+            <a:spAutoFit/>
+          </a:bodyPr>
+          <a:lstStyle/>
+          <a:p>
+            <a:pPr algn="ctr"/>
+            <a:r>
+              <a:rPr lang="en-US" sz="5400" dirty="0">
+                <a:ln w="0"/>
+                <a:gradFill>
+                  <a:gsLst>
+                    <a:gs pos="0">
+                      <a:schemeClr val="accent5">
+                        <a:lumMod val="50000"/>
+                      </a:schemeClr>
+                    </a:gs>
+                    <a:gs pos="50000">
+                      <a:schemeClr val="accent5"/>
+                    </a:gs>
+                    <a:gs pos="100000">
+                      <a:schemeClr val="accent5">
+                        <a:lumMod val="60000"/>
+                        <a:lumOff val="40000"/>
+                      </a:schemeClr>
+                    </a:gs>
+                  </a:gsLst>
+                  <a:lin ang="5400000"/>
+                </a:gradFill>
+                <a:effectLst>
+                  <a:reflection blurRad="6350" stA="53000" endA="300" endPos="35500" dir="5400000" sy="-90000" algn="bl" rotWithShape="0"/>
+                </a:effectLst>
+              </a:rPr>
+              <a:t>Any Questions?</a:t>
+            </a:r>
+            <a:endParaRPr lang="en-US" sz="5400" b="0" cap="none" spc="0" dirty="0">
+              <a:ln w="0"/>
+              <a:gradFill>
+                <a:gsLst>
+                  <a:gs pos="0">
+                    <a:schemeClr val="accent5">
+                      <a:lumMod val="50000"/>
+                    </a:schemeClr>
+                  </a:gs>
+                  <a:gs pos="50000">
+                    <a:schemeClr val="accent5"/>
+                  </a:gs>
+                  <a:gs pos="100000">
+                    <a:schemeClr val="accent5">
+                      <a:lumMod val="60000"/>
+                      <a:lumOff val="40000"/>
+                    </a:schemeClr>
+                  </a:gs>
+                </a:gsLst>
+                <a:lin ang="5400000"/>
+              </a:gradFill>
+              <a:effectLst>
+                <a:reflection blurRad="6350" stA="53000" endA="300" endPos="35500" dir="5400000" sy="-90000" algn="bl" rotWithShape="0"/>
+              </a:effectLst>
+            </a:endParaRPr>
           </a:p>
         </p:txBody>
       </p:sp>
@@ -6773,4 +7934,299 @@
     </a:ext>
   </a:extLst>
 </a:theme>
+</file>
+
+<file path=ppt/theme/theme2.xml><?xml version="1.0" encoding="utf-8"?>
+<a:theme xmlns:a="http://schemas.openxmlformats.org/drawingml/2006/main" name="Office Theme">
+  <a:themeElements>
+    <a:clrScheme name="Office">
+      <a:dk1>
+        <a:sysClr val="windowText" lastClr="000000"/>
+      </a:dk1>
+      <a:lt1>
+        <a:sysClr val="window" lastClr="FFFFFF"/>
+      </a:lt1>
+      <a:dk2>
+        <a:srgbClr val="44546A"/>
+      </a:dk2>
+      <a:lt2>
+        <a:srgbClr val="E7E6E6"/>
+      </a:lt2>
+      <a:accent1>
+        <a:srgbClr val="4472C4"/>
+      </a:accent1>
+      <a:accent2>
+        <a:srgbClr val="ED7D31"/>
+      </a:accent2>
+      <a:accent3>
+        <a:srgbClr val="A5A5A5"/>
+      </a:accent3>
+      <a:accent4>
+        <a:srgbClr val="FFC000"/>
+      </a:accent4>
+      <a:accent5>
+        <a:srgbClr val="5B9BD5"/>
+      </a:accent5>
+      <a:accent6>
+        <a:srgbClr val="70AD47"/>
+      </a:accent6>
+      <a:hlink>
+        <a:srgbClr val="0563C1"/>
+      </a:hlink>
+      <a:folHlink>
+        <a:srgbClr val="954F72"/>
+      </a:folHlink>
+    </a:clrScheme>
+    <a:fontScheme name="Office">
+      <a:majorFont>
+        <a:latin typeface="Calibri Light" panose="020F0302020204030204"/>
+        <a:ea typeface=""/>
+        <a:cs typeface=""/>
+        <a:font script="Jpan" typeface="游ゴシック Light"/>
+        <a:font script="Hang" typeface="맑은 고딕"/>
+        <a:font script="Hans" typeface="等线 Light"/>
+        <a:font script="Hant" typeface="新細明體"/>
+        <a:font script="Arab" typeface="Times New Roman"/>
+        <a:font script="Hebr" typeface="Times New Roman"/>
+        <a:font script="Thai" typeface="Angsana New"/>
+        <a:font script="Ethi" typeface="Nyala"/>
+        <a:font script="Beng" typeface="Vrinda"/>
+        <a:font script="Gujr" typeface="Shruti"/>
+        <a:font script="Khmr" typeface="MoolBoran"/>
+        <a:font script="Knda" typeface="Tunga"/>
+        <a:font script="Guru" typeface="Raavi"/>
+        <a:font script="Cans" typeface="Euphemia"/>
+        <a:font script="Cher" typeface="Plantagenet Cherokee"/>
+        <a:font script="Yiii" typeface="Microsoft Yi Baiti"/>
+        <a:font script="Tibt" typeface="Microsoft Himalaya"/>
+        <a:font script="Thaa" typeface="MV Boli"/>
+        <a:font script="Deva" typeface="Mangal"/>
+        <a:font script="Telu" typeface="Gautami"/>
+        <a:font script="Taml" typeface="Latha"/>
+        <a:font script="Syrc" typeface="Estrangelo Edessa"/>
+        <a:font script="Orya" typeface="Kalinga"/>
+        <a:font script="Mlym" typeface="Kartika"/>
+        <a:font script="Laoo" typeface="DokChampa"/>
+        <a:font script="Sinh" typeface="Iskoola Pota"/>
+        <a:font script="Mong" typeface="Mongolian Baiti"/>
+        <a:font script="Viet" typeface="Times New Roman"/>
+        <a:font script="Uigh" typeface="Microsoft Uighur"/>
+        <a:font script="Geor" typeface="Sylfaen"/>
+        <a:font script="Armn" typeface="Arial"/>
+        <a:font script="Bugi" typeface="Leelawadee UI"/>
+        <a:font script="Bopo" typeface="Microsoft JhengHei"/>
+        <a:font script="Java" typeface="Javanese Text"/>
+        <a:font script="Lisu" typeface="Segoe UI"/>
+        <a:font script="Mymr" typeface="Myanmar Text"/>
+        <a:font script="Nkoo" typeface="Ebrima"/>
+        <a:font script="Olck" typeface="Nirmala UI"/>
+        <a:font script="Osma" typeface="Ebrima"/>
+        <a:font script="Phag" typeface="Phagspa"/>
+        <a:font script="Syrn" typeface="Estrangelo Edessa"/>
+        <a:font script="Syrj" typeface="Estrangelo Edessa"/>
+        <a:font script="Syre" typeface="Estrangelo Edessa"/>
+        <a:font script="Sora" typeface="Nirmala UI"/>
+        <a:font script="Tale" typeface="Microsoft Tai Le"/>
+        <a:font script="Talu" typeface="Microsoft New Tai Lue"/>
+        <a:font script="Tfng" typeface="Ebrima"/>
+      </a:majorFont>
+      <a:minorFont>
+        <a:latin typeface="Calibri" panose="020F0502020204030204"/>
+        <a:ea typeface=""/>
+        <a:cs typeface=""/>
+        <a:font script="Jpan" typeface="游ゴシック"/>
+        <a:font script="Hang" typeface="맑은 고딕"/>
+        <a:font script="Hans" typeface="等线"/>
+        <a:font script="Hant" typeface="新細明體"/>
+        <a:font script="Arab" typeface="Arial"/>
+        <a:font script="Hebr" typeface="Arial"/>
+        <a:font script="Thai" typeface="Cordia New"/>
+        <a:font script="Ethi" typeface="Nyala"/>
+        <a:font script="Beng" typeface="Vrinda"/>
+        <a:font script="Gujr" typeface="Shruti"/>
+        <a:font script="Khmr" typeface="DaunPenh"/>
+        <a:font script="Knda" typeface="Tunga"/>
+        <a:font script="Guru" typeface="Raavi"/>
+        <a:font script="Cans" typeface="Euphemia"/>
+        <a:font script="Cher" typeface="Plantagenet Cherokee"/>
+        <a:font script="Yiii" typeface="Microsoft Yi Baiti"/>
+        <a:font script="Tibt" typeface="Microsoft Himalaya"/>
+        <a:font script="Thaa" typeface="MV Boli"/>
+        <a:font script="Deva" typeface="Mangal"/>
+        <a:font script="Telu" typeface="Gautami"/>
+        <a:font script="Taml" typeface="Latha"/>
+        <a:font script="Syrc" typeface="Estrangelo Edessa"/>
+        <a:font script="Orya" typeface="Kalinga"/>
+        <a:font script="Mlym" typeface="Kartika"/>
+        <a:font script="Laoo" typeface="DokChampa"/>
+        <a:font script="Sinh" typeface="Iskoola Pota"/>
+        <a:font script="Mong" typeface="Mongolian Baiti"/>
+        <a:font script="Viet" typeface="Arial"/>
+        <a:font script="Uigh" typeface="Microsoft Uighur"/>
+        <a:font script="Geor" typeface="Sylfaen"/>
+        <a:font script="Armn" typeface="Arial"/>
+        <a:font script="Bugi" typeface="Leelawadee UI"/>
+        <a:font script="Bopo" typeface="Microsoft JhengHei"/>
+        <a:font script="Java" typeface="Javanese Text"/>
+        <a:font script="Lisu" typeface="Segoe UI"/>
+        <a:font script="Mymr" typeface="Myanmar Text"/>
+        <a:font script="Nkoo" typeface="Ebrima"/>
+        <a:font script="Olck" typeface="Nirmala UI"/>
+        <a:font script="Osma" typeface="Ebrima"/>
+        <a:font script="Phag" typeface="Phagspa"/>
+        <a:font script="Syrn" typeface="Estrangelo Edessa"/>
+        <a:font script="Syrj" typeface="Estrangelo Edessa"/>
+        <a:font script="Syre" typeface="Estrangelo Edessa"/>
+        <a:font script="Sora" typeface="Nirmala UI"/>
+        <a:font script="Tale" typeface="Microsoft Tai Le"/>
+        <a:font script="Talu" typeface="Microsoft New Tai Lue"/>
+        <a:font script="Tfng" typeface="Ebrima"/>
+      </a:minorFont>
+    </a:fontScheme>
+    <a:fmtScheme name="Office">
+      <a:fillStyleLst>
+        <a:solidFill>
+          <a:schemeClr val="phClr"/>
+        </a:solidFill>
+        <a:gradFill rotWithShape="1">
+          <a:gsLst>
+            <a:gs pos="0">
+              <a:schemeClr val="phClr">
+                <a:lumMod val="110000"/>
+                <a:satMod val="105000"/>
+                <a:tint val="67000"/>
+              </a:schemeClr>
+            </a:gs>
+            <a:gs pos="50000">
+              <a:schemeClr val="phClr">
+                <a:lumMod val="105000"/>
+                <a:satMod val="103000"/>
+                <a:tint val="73000"/>
+              </a:schemeClr>
+            </a:gs>
+            <a:gs pos="100000">
+              <a:schemeClr val="phClr">
+                <a:lumMod val="105000"/>
+                <a:satMod val="109000"/>
+                <a:tint val="81000"/>
+              </a:schemeClr>
+            </a:gs>
+          </a:gsLst>
+          <a:lin ang="5400000" scaled="0"/>
+        </a:gradFill>
+        <a:gradFill rotWithShape="1">
+          <a:gsLst>
+            <a:gs pos="0">
+              <a:schemeClr val="phClr">
+                <a:satMod val="103000"/>
+                <a:lumMod val="102000"/>
+                <a:tint val="94000"/>
+              </a:schemeClr>
+            </a:gs>
+            <a:gs pos="50000">
+              <a:schemeClr val="phClr">
+                <a:satMod val="110000"/>
+                <a:lumMod val="100000"/>
+                <a:shade val="100000"/>
+              </a:schemeClr>
+            </a:gs>
+            <a:gs pos="100000">
+              <a:schemeClr val="phClr">
+                <a:lumMod val="99000"/>
+                <a:satMod val="120000"/>
+                <a:shade val="78000"/>
+              </a:schemeClr>
+            </a:gs>
+          </a:gsLst>
+          <a:lin ang="5400000" scaled="0"/>
+        </a:gradFill>
+      </a:fillStyleLst>
+      <a:lnStyleLst>
+        <a:ln w="6350" cap="flat" cmpd="sng" algn="ctr">
+          <a:solidFill>
+            <a:schemeClr val="phClr"/>
+          </a:solidFill>
+          <a:prstDash val="solid"/>
+          <a:miter lim="800000"/>
+        </a:ln>
+        <a:ln w="12700" cap="flat" cmpd="sng" algn="ctr">
+          <a:solidFill>
+            <a:schemeClr val="phClr"/>
+          </a:solidFill>
+          <a:prstDash val="solid"/>
+          <a:miter lim="800000"/>
+        </a:ln>
+        <a:ln w="19050" cap="flat" cmpd="sng" algn="ctr">
+          <a:solidFill>
+            <a:schemeClr val="phClr"/>
+          </a:solidFill>
+          <a:prstDash val="solid"/>
+          <a:miter lim="800000"/>
+        </a:ln>
+      </a:lnStyleLst>
+      <a:effectStyleLst>
+        <a:effectStyle>
+          <a:effectLst/>
+        </a:effectStyle>
+        <a:effectStyle>
+          <a:effectLst/>
+        </a:effectStyle>
+        <a:effectStyle>
+          <a:effectLst>
+            <a:outerShdw blurRad="57150" dist="19050" dir="5400000" algn="ctr" rotWithShape="0">
+              <a:srgbClr val="000000">
+                <a:alpha val="63000"/>
+              </a:srgbClr>
+            </a:outerShdw>
+          </a:effectLst>
+        </a:effectStyle>
+      </a:effectStyleLst>
+      <a:bgFillStyleLst>
+        <a:solidFill>
+          <a:schemeClr val="phClr"/>
+        </a:solidFill>
+        <a:solidFill>
+          <a:schemeClr val="phClr">
+            <a:tint val="95000"/>
+            <a:satMod val="170000"/>
+          </a:schemeClr>
+        </a:solidFill>
+        <a:gradFill rotWithShape="1">
+          <a:gsLst>
+            <a:gs pos="0">
+              <a:schemeClr val="phClr">
+                <a:tint val="93000"/>
+                <a:satMod val="150000"/>
+                <a:shade val="98000"/>
+                <a:lumMod val="102000"/>
+              </a:schemeClr>
+            </a:gs>
+            <a:gs pos="50000">
+              <a:schemeClr val="phClr">
+                <a:tint val="98000"/>
+                <a:satMod val="130000"/>
+                <a:shade val="90000"/>
+                <a:lumMod val="103000"/>
+              </a:schemeClr>
+            </a:gs>
+            <a:gs pos="100000">
+              <a:schemeClr val="phClr">
+                <a:shade val="63000"/>
+                <a:satMod val="120000"/>
+              </a:schemeClr>
+            </a:gs>
+          </a:gsLst>
+          <a:lin ang="5400000" scaled="0"/>
+        </a:gradFill>
+      </a:bgFillStyleLst>
+    </a:fmtScheme>
+  </a:themeElements>
+  <a:objectDefaults/>
+  <a:extraClrSchemeLst/>
+  <a:extLst>
+    <a:ext uri="{05A4C25C-085E-4340-85A3-A5531E510DB2}">
+      <thm15:themeFamily xmlns:thm15="http://schemas.microsoft.com/office/thememl/2012/main" name="Office Theme" id="{62F939B6-93AF-4DB8-9C6B-D6C7DFDC589F}" vid="{4A3C46E8-61CC-4603-A589-7422A47A8E4A}"/>
+    </a:ext>
+  </a:extLst>
+</a:theme>
 </file>
--- a/VS LIVE 2017 Chicago.pptx
+++ b/VS LIVE 2017 Chicago.pptx
@@ -5912,7 +5912,7 @@
         <p:spPr>
           <a:xfrm>
             <a:off x="309652" y="1681317"/>
-            <a:ext cx="5001797" cy="6155531"/>
+            <a:ext cx="5001797" cy="5909310"/>
           </a:xfrm>
           <a:prstGeom prst="rect">
             <a:avLst/>
@@ -6085,23 +6085,13 @@
             </a:r>
           </a:p>
           <a:p>
-            <a:pPr marL="285750" indent="-285750">
-              <a:buFont typeface="Arial" panose="020B0604020202020204" pitchFamily="34" charset="0"/>
-              <a:buChar char="•"/>
-            </a:pPr>
-            <a:r>
-              <a:rPr lang="en-US" sz="1600" dirty="0"/>
-              <a:t>Create Unit Tests</a:t>
-            </a:r>
-          </a:p>
-          <a:p>
             <a:pPr marL="742950" lvl="1" indent="-285750">
               <a:buFont typeface="Arial" panose="020B0604020202020204" pitchFamily="34" charset="0"/>
               <a:buChar char="•"/>
             </a:pPr>
             <a:r>
-              <a:rPr lang="en-US" sz="1600" b="1" dirty="0"/>
-              <a:t>Demo3</a:t>
+              <a:rPr lang="en-US" sz="1600" dirty="0"/>
+              <a:t>Right click, Create unit tests</a:t>
             </a:r>
           </a:p>
           <a:p>
@@ -6209,7 +6199,7 @@
         <p:spPr>
           <a:xfrm>
             <a:off x="6243851" y="1917290"/>
-            <a:ext cx="5179325" cy="4370427"/>
+            <a:ext cx="5179325" cy="3877985"/>
           </a:xfrm>
           <a:prstGeom prst="rect">
             <a:avLst/>
@@ -6270,23 +6260,23 @@
             </a:r>
             <a:r>
               <a:rPr lang="en-US" sz="1200" dirty="0"/>
-              <a:t>– navigate directly to any file/type/member/symbol declaration. You can filter your result list or use the query syntax (for example, "f </a:t>
+              <a:t>– </a:t>
+            </a:r>
+            <a:r>
+              <a:rPr lang="en-US" sz="1200" b="1" dirty="0"/>
+              <a:t>)</a:t>
+            </a:r>
+            <a:r>
+              <a:rPr lang="en-US" sz="1200" dirty="0"/>
+              <a:t>(**</a:t>
             </a:r>
             <a:r>
               <a:rPr lang="en-US" sz="1200" dirty="0" err="1"/>
-              <a:t>searchTerm</a:t>
+              <a:t>Wcf.Rating</a:t>
             </a:r>
             <a:r>
               <a:rPr lang="en-US" sz="1200" dirty="0"/>
-              <a:t>" for files, "t </a:t>
-            </a:r>
-            <a:r>
-              <a:rPr lang="en-US" sz="1200" dirty="0" err="1"/>
-              <a:t>searchTerm</a:t>
-            </a:r>
-            <a:r>
-              <a:rPr lang="en-US" sz="1200" dirty="0"/>
-              <a:t>" for types, etc.).</a:t>
+              <a:t>)</a:t>
             </a:r>
           </a:p>
           <a:p>
@@ -6296,16 +6286,29 @@
             </a:pPr>
             <a:r>
               <a:rPr lang="en-US" sz="1600" dirty="0"/>
-              <a:t>Run to Click(</a:t>
+              <a:t>Filter options(</a:t>
             </a:r>
             <a:r>
               <a:rPr lang="en-US" sz="1600" b="1" dirty="0"/>
-              <a:t>Demo9</a:t>
+              <a:t>Demo10</a:t>
+            </a:r>
+            <a:r>
+              <a:rPr lang="en-US" sz="1200" b="1" dirty="0"/>
+              <a:t>)</a:t>
+            </a:r>
+            <a:r>
+              <a:rPr lang="en-US" sz="1200" dirty="0"/>
+              <a:t>(**</a:t>
+            </a:r>
+            <a:r>
+              <a:rPr lang="en-US" sz="1200" dirty="0" err="1"/>
+              <a:t>Wcf.Rating</a:t>
             </a:r>
             <a:r>
               <a:rPr lang="en-US" sz="1600" dirty="0"/>
               <a:t>)</a:t>
             </a:r>
+            <a:endParaRPr lang="en-US" sz="1600" dirty="0"/>
           </a:p>
           <a:p>
             <a:pPr marL="742950" lvl="1" indent="-285750">
@@ -6314,19 +6317,11 @@
             </a:pPr>
             <a:r>
               <a:rPr lang="en-US" sz="1600" dirty="0"/>
-              <a:t>Filter options(</a:t>
+              <a:t>Run to Click(</a:t>
             </a:r>
             <a:r>
               <a:rPr lang="en-US" sz="1600" b="1" dirty="0"/>
-              <a:t>Demo10)</a:t>
-            </a:r>
-            <a:r>
-              <a:rPr lang="en-US" sz="1600" dirty="0"/>
-              <a:t>(**</a:t>
-            </a:r>
-            <a:r>
-              <a:rPr lang="en-US" sz="1600" dirty="0" err="1"/>
-              <a:t>Wcf.Rating</a:t>
+              <a:t>Demo9</a:t>
             </a:r>
             <a:r>
               <a:rPr lang="en-US" sz="1600" dirty="0"/>
